--- a/Hackathon2023-AI-Chauffeurs.pptx
+++ b/Hackathon2023-AI-Chauffeurs.pptx
@@ -4647,8 +4647,8 @@
         </p:nvSpPr>
         <p:spPr>
           <a:xfrm>
-            <a:off x="530771" y="4130564"/>
-            <a:ext cx="10878633" cy="1754326"/>
+            <a:off x="530772" y="3669245"/>
+            <a:ext cx="10878633" cy="2585323"/>
           </a:xfrm>
           <a:prstGeom prst="rect">
             <a:avLst/>
@@ -4672,7 +4672,24 @@
           <a:p>
             <a:r>
               <a:rPr lang="en-US" dirty="0"/>
-              <a:t>As of now with the information we have in hands, there could be two possible solutions. One would be to write a “Rule Engine”, that can calculate the order preparation time (though highly believe, it would need individual item preparation time). The second possible solution would be to use power of Artificial Intelligence with deep learning to calculate the same. This is our proposed solution. </a:t>
+              <a:t>As of now with the information we have in hands, there could be two possible solutions. One would be to write a “Rule Engine”, that can calculate the order preparation time (though highly believe, it would need individual item preparation time). The second possible solution would be to use power of Artificial Intelligence with deep learning to calculate the same using the existing historical data in hands. This is our proposed solution.</a:t>
+            </a:r>
+          </a:p>
+          <a:p>
+            <a:endParaRPr lang="en-US" dirty="0"/>
+          </a:p>
+          <a:p>
+            <a:r>
+              <a:rPr lang="en-US" dirty="0"/>
+              <a:t>In this journey, we have used different AI regression algorithms and feature set to compare the results and finalized that the </a:t>
+            </a:r>
+            <a:r>
+              <a:rPr lang="en-US" b="1" dirty="0"/>
+              <a:t>Random Forest</a:t>
+            </a:r>
+            <a:r>
+              <a:rPr lang="en-US" dirty="0"/>
+              <a:t> algorithm and few feature set based on the contribution of features in the final output.</a:t>
             </a:r>
           </a:p>
         </p:txBody>
@@ -5091,7 +5108,7 @@
         <p:spPr>
           <a:xfrm>
             <a:off x="441434" y="1962740"/>
-            <a:ext cx="9625204" cy="4247317"/>
+            <a:ext cx="9625204" cy="4524315"/>
           </a:xfrm>
           <a:prstGeom prst="rect">
             <a:avLst/>
@@ -5129,7 +5146,7 @@
             </a:pPr>
             <a:r>
               <a:rPr lang="en-US" dirty="0"/>
-              <a:t>Order day and time</a:t>
+              <a:t>Order day and time (Removed from the final version as ultimately the pending order details are contributing indirectly)</a:t>
             </a:r>
           </a:p>
           <a:p>
@@ -5630,7 +5647,7 @@
         <p:spPr>
           <a:xfrm>
             <a:off x="441434" y="1962740"/>
-            <a:ext cx="11281009" cy="2031325"/>
+            <a:ext cx="11281009" cy="2308324"/>
           </a:xfrm>
           <a:prstGeom prst="rect">
             <a:avLst/>
@@ -5658,7 +5675,7 @@
           <a:p>
             <a:r>
               <a:rPr lang="en-US" dirty="0"/>
-              <a:t>As of now the AI/ML models have been prepared using the Dev/QA data and we all understand that in order to get more actual and accurate results, we need millions of records of actual production data. If the idea, is to be materialize, need production data to train the models even further. Also, depending upon the actual data, we definitely have to consider more features and compare more AI algorithms. With our limited knowledge we strongly believe like </a:t>
+              <a:t>As of now the AI/ML models have been prepared using the Dev/QA data and we all understand that to get more actual and accurate results, we need millions of records of actual production data. If the idea, is to be materialize, need production data to train the models even further. Also, depending upon the actual data, we must consider more features and compare more AI algorithms. With our limited knowledge we strongly believe like </a:t>
             </a:r>
             <a:r>
               <a:rPr lang="en-US" b="1" dirty="0"/>
@@ -5666,7 +5683,7 @@
             </a:r>
             <a:r>
               <a:rPr lang="en-US" dirty="0"/>
-              <a:t> might be helpful, but again need more and more data to get precise results. </a:t>
+              <a:t> might be helpful in such problem statements, but again need more and more data to get precise results. </a:t>
             </a:r>
             <a:endParaRPr lang="en-US" b="1" dirty="0"/>
           </a:p>
@@ -6440,6 +6457,17 @@
 </file>
 
 <file path=customXml/item2.xml><?xml version="1.0" encoding="utf-8"?>
+<p:properties xmlns:p="http://schemas.microsoft.com/office/2006/metadata/properties" xmlns:xsi="http://www.w3.org/2001/XMLSchema-instance" xmlns:pc="http://schemas.microsoft.com/office/infopath/2007/PartnerControls">
+  <documentManagement>
+    <lcf76f155ced4ddcb4097134ff3c332f xmlns="eb237ec5-7b34-4048-9631-715884ccc04f">
+      <Terms xmlns="http://schemas.microsoft.com/office/infopath/2007/PartnerControls"/>
+    </lcf76f155ced4ddcb4097134ff3c332f>
+    <TaxCatchAll xmlns="737f1623-2dc2-4008-9151-7e09bcfb07a9" xsi:nil="true"/>
+  </documentManagement>
+</p:properties>
+</file>
+
+<file path=customXml/item3.xml><?xml version="1.0" encoding="utf-8"?>
 <ct:contentTypeSchema xmlns:ct="http://schemas.microsoft.com/office/2006/metadata/contentType" xmlns:ma="http://schemas.microsoft.com/office/2006/metadata/properties/metaAttributes" ct:_="" ma:_="" ma:contentTypeName="Document" ma:contentTypeID="0x0101008D6594B60447D24CA80180419EB33F39" ma:contentTypeVersion="13" ma:contentTypeDescription="Create a new document." ma:contentTypeScope="" ma:versionID="0dfdc30609cdd3bf75bbe793b253178e">
   <xsd:schema xmlns:xsd="http://www.w3.org/2001/XMLSchema" xmlns:xs="http://www.w3.org/2001/XMLSchema" xmlns:p="http://schemas.microsoft.com/office/2006/metadata/properties" xmlns:ns2="eb237ec5-7b34-4048-9631-715884ccc04f" xmlns:ns3="737f1623-2dc2-4008-9151-7e09bcfb07a9" targetNamespace="http://schemas.microsoft.com/office/2006/metadata/properties" ma:root="true" ma:fieldsID="52721e33bcc3122fa820ee3892832ea0" ns2:_="" ns3:_="">
     <xsd:import namespace="eb237ec5-7b34-4048-9631-715884ccc04f"/>
@@ -6662,17 +6690,6 @@
 </ct:contentTypeSchema>
 </file>
 
-<file path=customXml/item3.xml><?xml version="1.0" encoding="utf-8"?>
-<p:properties xmlns:p="http://schemas.microsoft.com/office/2006/metadata/properties" xmlns:xsi="http://www.w3.org/2001/XMLSchema-instance" xmlns:pc="http://schemas.microsoft.com/office/infopath/2007/PartnerControls">
-  <documentManagement>
-    <lcf76f155ced4ddcb4097134ff3c332f xmlns="eb237ec5-7b34-4048-9631-715884ccc04f">
-      <Terms xmlns="http://schemas.microsoft.com/office/infopath/2007/PartnerControls"/>
-    </lcf76f155ced4ddcb4097134ff3c332f>
-    <TaxCatchAll xmlns="737f1623-2dc2-4008-9151-7e09bcfb07a9" xsi:nil="true"/>
-  </documentManagement>
-</p:properties>
-</file>
-
 <file path=customXml/itemProps1.xml><?xml version="1.0" encoding="utf-8"?>
 <ds:datastoreItem xmlns:ds="http://schemas.openxmlformats.org/officeDocument/2006/customXml" ds:itemID="{E575B523-595B-4B0A-9268-A0184A515C33}">
   <ds:schemaRefs>
@@ -6682,6 +6699,17 @@
 </file>
 
 <file path=customXml/itemProps2.xml><?xml version="1.0" encoding="utf-8"?>
+<ds:datastoreItem xmlns:ds="http://schemas.openxmlformats.org/officeDocument/2006/customXml" ds:itemID="{8995B25A-A1F2-4DDA-B298-9E913786E416}">
+  <ds:schemaRefs>
+    <ds:schemaRef ds:uri="737f1623-2dc2-4008-9151-7e09bcfb07a9"/>
+    <ds:schemaRef ds:uri="eb237ec5-7b34-4048-9631-715884ccc04f"/>
+    <ds:schemaRef ds:uri="http://schemas.microsoft.com/office/2006/metadata/properties"/>
+    <ds:schemaRef ds:uri="http://schemas.microsoft.com/office/infopath/2007/PartnerControls"/>
+  </ds:schemaRefs>
+</ds:datastoreItem>
+</file>
+
+<file path=customXml/itemProps3.xml><?xml version="1.0" encoding="utf-8"?>
 <ds:datastoreItem xmlns:ds="http://schemas.openxmlformats.org/officeDocument/2006/customXml" ds:itemID="{10D7422A-5025-4E75-8C67-30771A318A97}">
   <ds:schemaRefs>
     <ds:schemaRef ds:uri="737f1623-2dc2-4008-9151-7e09bcfb07a9"/>
@@ -6698,15 +6726,4 @@
     <ds:schemaRef ds:uri="http://www.w3.org/2001/XMLSchema"/>
   </ds:schemaRefs>
 </ds:datastoreItem>
-</file>
-
-<file path=customXml/itemProps3.xml><?xml version="1.0" encoding="utf-8"?>
-<ds:datastoreItem xmlns:ds="http://schemas.openxmlformats.org/officeDocument/2006/customXml" ds:itemID="{8995B25A-A1F2-4DDA-B298-9E913786E416}">
-  <ds:schemaRefs>
-    <ds:schemaRef ds:uri="737f1623-2dc2-4008-9151-7e09bcfb07a9"/>
-    <ds:schemaRef ds:uri="eb237ec5-7b34-4048-9631-715884ccc04f"/>
-    <ds:schemaRef ds:uri="http://schemas.microsoft.com/office/2006/metadata/properties"/>
-    <ds:schemaRef ds:uri="http://schemas.microsoft.com/office/infopath/2007/PartnerControls"/>
-  </ds:schemaRefs>
-</ds:datastoreItem>
 </file>
--- a/Hackathon2023-AI-Chauffeurs.pptx
+++ b/Hackathon2023-AI-Chauffeurs.pptx
@@ -4647,8 +4647,8 @@
         </p:nvSpPr>
         <p:spPr>
           <a:xfrm>
-            <a:off x="530772" y="3669245"/>
-            <a:ext cx="10878633" cy="2585323"/>
+            <a:off x="530771" y="4130564"/>
+            <a:ext cx="10878633" cy="1754326"/>
           </a:xfrm>
           <a:prstGeom prst="rect">
             <a:avLst/>
@@ -4672,24 +4672,7 @@
           <a:p>
             <a:r>
               <a:rPr lang="en-US" dirty="0"/>
-              <a:t>As of now with the information we have in hands, there could be two possible solutions. One would be to write a “Rule Engine”, that can calculate the order preparation time (though highly believe, it would need individual item preparation time). The second possible solution would be to use power of Artificial Intelligence with deep learning to calculate the same using the existing historical data in hands. This is our proposed solution.</a:t>
-            </a:r>
-          </a:p>
-          <a:p>
-            <a:endParaRPr lang="en-US" dirty="0"/>
-          </a:p>
-          <a:p>
-            <a:r>
-              <a:rPr lang="en-US" dirty="0"/>
-              <a:t>In this journey, we have used different AI regression algorithms and feature set to compare the results and finalized that the </a:t>
-            </a:r>
-            <a:r>
-              <a:rPr lang="en-US" b="1" dirty="0"/>
-              <a:t>Random Forest</a:t>
-            </a:r>
-            <a:r>
-              <a:rPr lang="en-US" dirty="0"/>
-              <a:t> algorithm and few feature set based on the contribution of features in the final output.</a:t>
+              <a:t>As of now with the information we have in hands, there could be two possible solutions. One would be to write a “Rule Engine”, that can calculate the order preparation time (though highly believe, it would need individual item preparation time). The second possible solution would be to use power of Artificial Intelligence with deep learning to calculate the same. This is our proposed solution. </a:t>
             </a:r>
           </a:p>
         </p:txBody>
@@ -5108,7 +5091,7 @@
         <p:spPr>
           <a:xfrm>
             <a:off x="441434" y="1962740"/>
-            <a:ext cx="9625204" cy="4524315"/>
+            <a:ext cx="9625204" cy="4247317"/>
           </a:xfrm>
           <a:prstGeom prst="rect">
             <a:avLst/>
@@ -5146,7 +5129,7 @@
             </a:pPr>
             <a:r>
               <a:rPr lang="en-US" dirty="0"/>
-              <a:t>Order day and time (Removed from the final version as ultimately the pending order details are contributing indirectly)</a:t>
+              <a:t>Order day and time</a:t>
             </a:r>
           </a:p>
           <a:p>
@@ -5647,7 +5630,7 @@
         <p:spPr>
           <a:xfrm>
             <a:off x="441434" y="1962740"/>
-            <a:ext cx="11281009" cy="2308324"/>
+            <a:ext cx="11281009" cy="2031325"/>
           </a:xfrm>
           <a:prstGeom prst="rect">
             <a:avLst/>
@@ -5675,7 +5658,7 @@
           <a:p>
             <a:r>
               <a:rPr lang="en-US" dirty="0"/>
-              <a:t>As of now the AI/ML models have been prepared using the Dev/QA data and we all understand that to get more actual and accurate results, we need millions of records of actual production data. If the idea, is to be materialize, need production data to train the models even further. Also, depending upon the actual data, we must consider more features and compare more AI algorithms. With our limited knowledge we strongly believe like </a:t>
+              <a:t>As of now the AI/ML models have been prepared using the Dev/QA data and we all understand that in order to get more actual and accurate results, we need millions of records of actual production data. If the idea, is to be materialize, need production data to train the models even further. Also, depending upon the actual data, we definitely have to consider more features and compare more AI algorithms. With our limited knowledge we strongly believe like </a:t>
             </a:r>
             <a:r>
               <a:rPr lang="en-US" b="1" dirty="0"/>
@@ -5683,7 +5666,7 @@
             </a:r>
             <a:r>
               <a:rPr lang="en-US" dirty="0"/>
-              <a:t> might be helpful in such problem statements, but again need more and more data to get precise results. </a:t>
+              <a:t> might be helpful, but again need more and more data to get precise results. </a:t>
             </a:r>
             <a:endParaRPr lang="en-US" b="1" dirty="0"/>
           </a:p>
@@ -6457,17 +6440,6 @@
 </file>
 
 <file path=customXml/item2.xml><?xml version="1.0" encoding="utf-8"?>
-<p:properties xmlns:p="http://schemas.microsoft.com/office/2006/metadata/properties" xmlns:xsi="http://www.w3.org/2001/XMLSchema-instance" xmlns:pc="http://schemas.microsoft.com/office/infopath/2007/PartnerControls">
-  <documentManagement>
-    <lcf76f155ced4ddcb4097134ff3c332f xmlns="eb237ec5-7b34-4048-9631-715884ccc04f">
-      <Terms xmlns="http://schemas.microsoft.com/office/infopath/2007/PartnerControls"/>
-    </lcf76f155ced4ddcb4097134ff3c332f>
-    <TaxCatchAll xmlns="737f1623-2dc2-4008-9151-7e09bcfb07a9" xsi:nil="true"/>
-  </documentManagement>
-</p:properties>
-</file>
-
-<file path=customXml/item3.xml><?xml version="1.0" encoding="utf-8"?>
 <ct:contentTypeSchema xmlns:ct="http://schemas.microsoft.com/office/2006/metadata/contentType" xmlns:ma="http://schemas.microsoft.com/office/2006/metadata/properties/metaAttributes" ct:_="" ma:_="" ma:contentTypeName="Document" ma:contentTypeID="0x0101008D6594B60447D24CA80180419EB33F39" ma:contentTypeVersion="13" ma:contentTypeDescription="Create a new document." ma:contentTypeScope="" ma:versionID="0dfdc30609cdd3bf75bbe793b253178e">
   <xsd:schema xmlns:xsd="http://www.w3.org/2001/XMLSchema" xmlns:xs="http://www.w3.org/2001/XMLSchema" xmlns:p="http://schemas.microsoft.com/office/2006/metadata/properties" xmlns:ns2="eb237ec5-7b34-4048-9631-715884ccc04f" xmlns:ns3="737f1623-2dc2-4008-9151-7e09bcfb07a9" targetNamespace="http://schemas.microsoft.com/office/2006/metadata/properties" ma:root="true" ma:fieldsID="52721e33bcc3122fa820ee3892832ea0" ns2:_="" ns3:_="">
     <xsd:import namespace="eb237ec5-7b34-4048-9631-715884ccc04f"/>
@@ -6690,6 +6662,17 @@
 </ct:contentTypeSchema>
 </file>
 
+<file path=customXml/item3.xml><?xml version="1.0" encoding="utf-8"?>
+<p:properties xmlns:p="http://schemas.microsoft.com/office/2006/metadata/properties" xmlns:xsi="http://www.w3.org/2001/XMLSchema-instance" xmlns:pc="http://schemas.microsoft.com/office/infopath/2007/PartnerControls">
+  <documentManagement>
+    <lcf76f155ced4ddcb4097134ff3c332f xmlns="eb237ec5-7b34-4048-9631-715884ccc04f">
+      <Terms xmlns="http://schemas.microsoft.com/office/infopath/2007/PartnerControls"/>
+    </lcf76f155ced4ddcb4097134ff3c332f>
+    <TaxCatchAll xmlns="737f1623-2dc2-4008-9151-7e09bcfb07a9" xsi:nil="true"/>
+  </documentManagement>
+</p:properties>
+</file>
+
 <file path=customXml/itemProps1.xml><?xml version="1.0" encoding="utf-8"?>
 <ds:datastoreItem xmlns:ds="http://schemas.openxmlformats.org/officeDocument/2006/customXml" ds:itemID="{E575B523-595B-4B0A-9268-A0184A515C33}">
   <ds:schemaRefs>
@@ -6699,17 +6682,6 @@
 </file>
 
 <file path=customXml/itemProps2.xml><?xml version="1.0" encoding="utf-8"?>
-<ds:datastoreItem xmlns:ds="http://schemas.openxmlformats.org/officeDocument/2006/customXml" ds:itemID="{8995B25A-A1F2-4DDA-B298-9E913786E416}">
-  <ds:schemaRefs>
-    <ds:schemaRef ds:uri="737f1623-2dc2-4008-9151-7e09bcfb07a9"/>
-    <ds:schemaRef ds:uri="eb237ec5-7b34-4048-9631-715884ccc04f"/>
-    <ds:schemaRef ds:uri="http://schemas.microsoft.com/office/2006/metadata/properties"/>
-    <ds:schemaRef ds:uri="http://schemas.microsoft.com/office/infopath/2007/PartnerControls"/>
-  </ds:schemaRefs>
-</ds:datastoreItem>
-</file>
-
-<file path=customXml/itemProps3.xml><?xml version="1.0" encoding="utf-8"?>
 <ds:datastoreItem xmlns:ds="http://schemas.openxmlformats.org/officeDocument/2006/customXml" ds:itemID="{10D7422A-5025-4E75-8C67-30771A318A97}">
   <ds:schemaRefs>
     <ds:schemaRef ds:uri="737f1623-2dc2-4008-9151-7e09bcfb07a9"/>
@@ -6726,4 +6698,15 @@
     <ds:schemaRef ds:uri="http://www.w3.org/2001/XMLSchema"/>
   </ds:schemaRefs>
 </ds:datastoreItem>
+</file>
+
+<file path=customXml/itemProps3.xml><?xml version="1.0" encoding="utf-8"?>
+<ds:datastoreItem xmlns:ds="http://schemas.openxmlformats.org/officeDocument/2006/customXml" ds:itemID="{8995B25A-A1F2-4DDA-B298-9E913786E416}">
+  <ds:schemaRefs>
+    <ds:schemaRef ds:uri="737f1623-2dc2-4008-9151-7e09bcfb07a9"/>
+    <ds:schemaRef ds:uri="eb237ec5-7b34-4048-9631-715884ccc04f"/>
+    <ds:schemaRef ds:uri="http://schemas.microsoft.com/office/2006/metadata/properties"/>
+    <ds:schemaRef ds:uri="http://schemas.microsoft.com/office/infopath/2007/PartnerControls"/>
+  </ds:schemaRefs>
+</ds:datastoreItem>
 </file>
--- a/Hackathon2023-AI-Chauffeurs.pptx
+++ b/Hackathon2023-AI-Chauffeurs.pptx
@@ -8,9 +8,10 @@
     <p:sldId id="256" r:id="rId5"/>
     <p:sldId id="268" r:id="rId6"/>
     <p:sldId id="269" r:id="rId7"/>
-    <p:sldId id="272" r:id="rId8"/>
-    <p:sldId id="270" r:id="rId9"/>
-    <p:sldId id="271" r:id="rId10"/>
+    <p:sldId id="273" r:id="rId8"/>
+    <p:sldId id="272" r:id="rId9"/>
+    <p:sldId id="270" r:id="rId10"/>
+    <p:sldId id="271" r:id="rId11"/>
   </p:sldIdLst>
   <p:sldSz cx="12192000" cy="6858000"/>
   <p:notesSz cx="6858000" cy="9144000"/>
@@ -266,7 +267,7 @@
           <a:p>
             <a:fld id="{7DF287A2-7AA5-144D-BE83-1052F0A3DB6E}" type="datetimeFigureOut">
               <a:rPr lang="en-US" smtClean="0"/>
-              <a:t>8/29/2023</a:t>
+              <a:t>9/15/2023</a:t>
             </a:fld>
             <a:endParaRPr lang="en-US" dirty="0"/>
           </a:p>
@@ -466,7 +467,7 @@
           <a:p>
             <a:fld id="{7DF287A2-7AA5-144D-BE83-1052F0A3DB6E}" type="datetimeFigureOut">
               <a:rPr lang="en-US" smtClean="0"/>
-              <a:t>8/29/2023</a:t>
+              <a:t>9/15/2023</a:t>
             </a:fld>
             <a:endParaRPr lang="en-US" dirty="0"/>
           </a:p>
@@ -676,7 +677,7 @@
           <a:p>
             <a:fld id="{7DF287A2-7AA5-144D-BE83-1052F0A3DB6E}" type="datetimeFigureOut">
               <a:rPr lang="en-US" smtClean="0"/>
-              <a:t>8/29/2023</a:t>
+              <a:t>9/15/2023</a:t>
             </a:fld>
             <a:endParaRPr lang="en-US" dirty="0"/>
           </a:p>
@@ -876,7 +877,7 @@
           <a:p>
             <a:fld id="{7DF287A2-7AA5-144D-BE83-1052F0A3DB6E}" type="datetimeFigureOut">
               <a:rPr lang="en-US" smtClean="0"/>
-              <a:t>8/29/2023</a:t>
+              <a:t>9/15/2023</a:t>
             </a:fld>
             <a:endParaRPr lang="en-US" dirty="0"/>
           </a:p>
@@ -1152,7 +1153,7 @@
           <a:p>
             <a:fld id="{7DF287A2-7AA5-144D-BE83-1052F0A3DB6E}" type="datetimeFigureOut">
               <a:rPr lang="en-US" smtClean="0"/>
-              <a:t>8/29/2023</a:t>
+              <a:t>9/15/2023</a:t>
             </a:fld>
             <a:endParaRPr lang="en-US" dirty="0"/>
           </a:p>
@@ -1420,7 +1421,7 @@
           <a:p>
             <a:fld id="{7DF287A2-7AA5-144D-BE83-1052F0A3DB6E}" type="datetimeFigureOut">
               <a:rPr lang="en-US" smtClean="0"/>
-              <a:t>8/29/2023</a:t>
+              <a:t>9/15/2023</a:t>
             </a:fld>
             <a:endParaRPr lang="en-US" dirty="0"/>
           </a:p>
@@ -1835,7 +1836,7 @@
           <a:p>
             <a:fld id="{7DF287A2-7AA5-144D-BE83-1052F0A3DB6E}" type="datetimeFigureOut">
               <a:rPr lang="en-US" smtClean="0"/>
-              <a:t>8/29/2023</a:t>
+              <a:t>9/15/2023</a:t>
             </a:fld>
             <a:endParaRPr lang="en-US" dirty="0"/>
           </a:p>
@@ -1977,7 +1978,7 @@
           <a:p>
             <a:fld id="{7DF287A2-7AA5-144D-BE83-1052F0A3DB6E}" type="datetimeFigureOut">
               <a:rPr lang="en-US" smtClean="0"/>
-              <a:t>8/29/2023</a:t>
+              <a:t>9/15/2023</a:t>
             </a:fld>
             <a:endParaRPr lang="en-US" dirty="0"/>
           </a:p>
@@ -2090,7 +2091,7 @@
           <a:p>
             <a:fld id="{7DF287A2-7AA5-144D-BE83-1052F0A3DB6E}" type="datetimeFigureOut">
               <a:rPr lang="en-US" smtClean="0"/>
-              <a:t>8/29/2023</a:t>
+              <a:t>9/15/2023</a:t>
             </a:fld>
             <a:endParaRPr lang="en-US" dirty="0"/>
           </a:p>
@@ -2403,7 +2404,7 @@
           <a:p>
             <a:fld id="{7DF287A2-7AA5-144D-BE83-1052F0A3DB6E}" type="datetimeFigureOut">
               <a:rPr lang="en-US" smtClean="0"/>
-              <a:t>8/29/2023</a:t>
+              <a:t>9/15/2023</a:t>
             </a:fld>
             <a:endParaRPr lang="en-US" dirty="0"/>
           </a:p>
@@ -2692,7 +2693,7 @@
           <a:p>
             <a:fld id="{7DF287A2-7AA5-144D-BE83-1052F0A3DB6E}" type="datetimeFigureOut">
               <a:rPr lang="en-US" smtClean="0"/>
-              <a:t>8/29/2023</a:t>
+              <a:t>9/15/2023</a:t>
             </a:fld>
             <a:endParaRPr lang="en-US" dirty="0"/>
           </a:p>
@@ -2935,7 +2936,7 @@
           <a:p>
             <a:fld id="{7DF287A2-7AA5-144D-BE83-1052F0A3DB6E}" type="datetimeFigureOut">
               <a:rPr lang="en-US" smtClean="0"/>
-              <a:t>8/29/2023</a:t>
+              <a:t>9/15/2023</a:t>
             </a:fld>
             <a:endParaRPr lang="en-US" dirty="0"/>
           </a:p>
@@ -4786,8 +4787,37 @@
           <a:bodyPr rtlCol="0" anchor="ctr"/>
           <a:lstStyle/>
           <a:p>
-            <a:pPr algn="ctr"/>
-            <a:endParaRPr lang="en-US" dirty="0"/>
+            <a:pPr marL="0" marR="0" lvl="0" indent="0" algn="ctr" defTabSz="914400" rtl="0" eaLnBrk="1" fontAlgn="auto" latinLnBrk="0" hangingPunct="1">
+              <a:lnSpc>
+                <a:spcPct val="100000"/>
+              </a:lnSpc>
+              <a:spcBef>
+                <a:spcPts val="0"/>
+              </a:spcBef>
+              <a:spcAft>
+                <a:spcPts val="0"/>
+              </a:spcAft>
+              <a:buClrTx/>
+              <a:buSzTx/>
+              <a:buFontTx/>
+              <a:buNone/>
+              <a:tabLst/>
+              <a:defRPr/>
+            </a:pPr>
+            <a:endParaRPr kumimoji="0" lang="en-US" sz="1800" b="0" i="0" u="none" strike="noStrike" kern="1200" cap="none" spc="0" normalizeH="0" baseline="0" noProof="0" dirty="0">
+              <a:ln>
+                <a:noFill/>
+              </a:ln>
+              <a:solidFill>
+                <a:prstClr val="white"/>
+              </a:solidFill>
+              <a:effectLst/>
+              <a:uLnTx/>
+              <a:uFillTx/>
+              <a:latin typeface="Calibri" panose="020F0502020204030204"/>
+              <a:ea typeface="+mn-ea"/>
+              <a:cs typeface="+mn-cs"/>
+            </a:endParaRPr>
           </a:p>
         </p:txBody>
       </p:sp>
@@ -4861,8 +4891,37 @@
           <a:bodyPr rtlCol="0" anchor="ctr"/>
           <a:lstStyle/>
           <a:p>
-            <a:pPr algn="ctr"/>
-            <a:endParaRPr lang="en-US" dirty="0"/>
+            <a:pPr marL="0" marR="0" lvl="0" indent="0" algn="ctr" defTabSz="914400" rtl="0" eaLnBrk="1" fontAlgn="auto" latinLnBrk="0" hangingPunct="1">
+              <a:lnSpc>
+                <a:spcPct val="100000"/>
+              </a:lnSpc>
+              <a:spcBef>
+                <a:spcPts val="0"/>
+              </a:spcBef>
+              <a:spcAft>
+                <a:spcPts val="0"/>
+              </a:spcAft>
+              <a:buClrTx/>
+              <a:buSzTx/>
+              <a:buFontTx/>
+              <a:buNone/>
+              <a:tabLst/>
+              <a:defRPr/>
+            </a:pPr>
+            <a:endParaRPr kumimoji="0" lang="en-US" sz="1800" b="0" i="0" u="none" strike="noStrike" kern="1200" cap="none" spc="0" normalizeH="0" baseline="0" noProof="0" dirty="0">
+              <a:ln>
+                <a:noFill/>
+              </a:ln>
+              <a:solidFill>
+                <a:prstClr val="white"/>
+              </a:solidFill>
+              <a:effectLst/>
+              <a:uLnTx/>
+              <a:uFillTx/>
+              <a:latin typeface="Calibri" panose="020F0502020204030204"/>
+              <a:ea typeface="+mn-ea"/>
+              <a:cs typeface="+mn-cs"/>
+            </a:endParaRPr>
           </a:p>
         </p:txBody>
       </p:sp>
@@ -4937,8 +4996,37 @@
           <a:bodyPr rtlCol="0" anchor="ctr"/>
           <a:lstStyle/>
           <a:p>
-            <a:pPr algn="ctr"/>
-            <a:endParaRPr lang="en-US" dirty="0"/>
+            <a:pPr marL="0" marR="0" lvl="0" indent="0" algn="ctr" defTabSz="914400" rtl="0" eaLnBrk="1" fontAlgn="auto" latinLnBrk="0" hangingPunct="1">
+              <a:lnSpc>
+                <a:spcPct val="100000"/>
+              </a:lnSpc>
+              <a:spcBef>
+                <a:spcPts val="0"/>
+              </a:spcBef>
+              <a:spcAft>
+                <a:spcPts val="0"/>
+              </a:spcAft>
+              <a:buClrTx/>
+              <a:buSzTx/>
+              <a:buFontTx/>
+              <a:buNone/>
+              <a:tabLst/>
+              <a:defRPr/>
+            </a:pPr>
+            <a:endParaRPr kumimoji="0" lang="en-US" sz="1800" b="0" i="0" u="none" strike="noStrike" kern="1200" cap="none" spc="0" normalizeH="0" baseline="0" noProof="0" dirty="0">
+              <a:ln>
+                <a:noFill/>
+              </a:ln>
+              <a:solidFill>
+                <a:prstClr val="white"/>
+              </a:solidFill>
+              <a:effectLst/>
+              <a:uLnTx/>
+              <a:uFillTx/>
+              <a:latin typeface="Calibri" panose="020F0502020204030204"/>
+              <a:ea typeface="+mn-ea"/>
+              <a:cs typeface="+mn-cs"/>
+            </a:endParaRPr>
           </a:p>
         </p:txBody>
       </p:sp>
@@ -5012,8 +5100,37 @@
           <a:bodyPr rtlCol="0" anchor="ctr"/>
           <a:lstStyle/>
           <a:p>
-            <a:pPr algn="ctr"/>
-            <a:endParaRPr lang="en-US" dirty="0"/>
+            <a:pPr marL="0" marR="0" lvl="0" indent="0" algn="ctr" defTabSz="914400" rtl="0" eaLnBrk="1" fontAlgn="auto" latinLnBrk="0" hangingPunct="1">
+              <a:lnSpc>
+                <a:spcPct val="100000"/>
+              </a:lnSpc>
+              <a:spcBef>
+                <a:spcPts val="0"/>
+              </a:spcBef>
+              <a:spcAft>
+                <a:spcPts val="0"/>
+              </a:spcAft>
+              <a:buClrTx/>
+              <a:buSzTx/>
+              <a:buFontTx/>
+              <a:buNone/>
+              <a:tabLst/>
+              <a:defRPr/>
+            </a:pPr>
+            <a:endParaRPr kumimoji="0" lang="en-US" sz="1800" b="0" i="0" u="none" strike="noStrike" kern="1200" cap="none" spc="0" normalizeH="0" baseline="0" noProof="0" dirty="0">
+              <a:ln>
+                <a:noFill/>
+              </a:ln>
+              <a:solidFill>
+                <a:prstClr val="white"/>
+              </a:solidFill>
+              <a:effectLst/>
+              <a:uLnTx/>
+              <a:uFillTx/>
+              <a:latin typeface="Calibri" panose="020F0502020204030204"/>
+              <a:ea typeface="+mn-ea"/>
+              <a:cs typeface="+mn-cs"/>
+            </a:endParaRPr>
           </a:p>
         </p:txBody>
       </p:sp>
@@ -5064,162 +5181,91 @@
             </a:lvl1pPr>
           </a:lstStyle>
           <a:p>
-            <a:r>
-              <a:rPr lang="en-IN" sz="4000" dirty="0">
+            <a:pPr marL="0" marR="0" lvl="0" indent="0" algn="l" defTabSz="914400" rtl="0" eaLnBrk="1" fontAlgn="auto" latinLnBrk="0" hangingPunct="1">
+              <a:lnSpc>
+                <a:spcPct val="90000"/>
+              </a:lnSpc>
+              <a:spcBef>
+                <a:spcPct val="0"/>
+              </a:spcBef>
+              <a:spcAft>
+                <a:spcPts val="0"/>
+              </a:spcAft>
+              <a:buClrTx/>
+              <a:buSzTx/>
+              <a:buFontTx/>
+              <a:buNone/>
+              <a:tabLst/>
+              <a:defRPr/>
+            </a:pPr>
+            <a:r>
+              <a:rPr kumimoji="0" lang="en-IN" sz="4000" b="0" i="0" u="none" strike="noStrike" kern="1200" cap="none" spc="0" normalizeH="0" baseline="0" noProof="0" dirty="0">
+                <a:ln>
+                  <a:noFill/>
+                </a:ln>
                 <a:solidFill>
                   <a:srgbClr val="FFFFFF"/>
                 </a:solidFill>
+                <a:effectLst/>
+                <a:uLnTx/>
+                <a:uFillTx/>
+                <a:latin typeface="Calibri Light" panose="020F0302020204030204"/>
+                <a:ea typeface="+mj-ea"/>
+                <a:cs typeface="+mj-cs"/>
               </a:rPr>
-              <a:t>Demo</a:t>
-            </a:r>
-            <a:endParaRPr lang="en-US" dirty="0"/>
-          </a:p>
-        </p:txBody>
-      </p:sp>
-      <p:sp>
-        <p:nvSpPr>
-          <p:cNvPr id="2" name="TextBox 1">
-            <a:extLst>
-              <a:ext uri="{FF2B5EF4-FFF2-40B4-BE49-F238E27FC236}">
-                <a16:creationId xmlns:a16="http://schemas.microsoft.com/office/drawing/2014/main" id="{0CB64A6C-1302-48EF-F365-F1BD12C9B9F1}"/>
-              </a:ext>
-            </a:extLst>
-          </p:cNvPr>
-          <p:cNvSpPr txBox="1"/>
+              <a:t>Idea</a:t>
+            </a:r>
+            <a:endParaRPr kumimoji="0" lang="en-US" sz="4400" b="0" i="0" u="none" strike="noStrike" kern="1200" cap="none" spc="0" normalizeH="0" baseline="0" noProof="0" dirty="0">
+              <a:ln>
+                <a:noFill/>
+              </a:ln>
+              <a:solidFill>
+                <a:prstClr val="black"/>
+              </a:solidFill>
+              <a:effectLst/>
+              <a:uLnTx/>
+              <a:uFillTx/>
+              <a:latin typeface="Calibri Light" panose="020F0302020204030204"/>
+              <a:ea typeface="+mj-ea"/>
+              <a:cs typeface="+mj-cs"/>
+            </a:endParaRPr>
+          </a:p>
+        </p:txBody>
+      </p:sp>
+      <p:pic>
+        <p:nvPicPr>
+          <p:cNvPr id="6" name="Picture 5" descr="A close-up of a math problem&#10;&#10;Description automatically generated">
+            <a:extLst>
+              <a:ext uri="{FF2B5EF4-FFF2-40B4-BE49-F238E27FC236}">
+                <a16:creationId xmlns:a16="http://schemas.microsoft.com/office/drawing/2014/main" id="{60CBF424-EFD3-456D-AFF3-DD0D53A348E1}"/>
+              </a:ext>
+            </a:extLst>
+          </p:cNvPr>
+          <p:cNvPicPr>
+            <a:picLocks noChangeAspect="1"/>
+          </p:cNvPicPr>
           <p:nvPr/>
-        </p:nvSpPr>
+        </p:nvPicPr>
+        <p:blipFill>
+          <a:blip r:embed="rId2"/>
+          <a:stretch>
+            <a:fillRect/>
+          </a:stretch>
+        </p:blipFill>
         <p:spPr>
           <a:xfrm>
-            <a:off x="441434" y="1962740"/>
-            <a:ext cx="9625204" cy="4247317"/>
+            <a:off x="2619282" y="1723037"/>
+            <a:ext cx="7144632" cy="4987389"/>
           </a:xfrm>
           <a:prstGeom prst="rect">
             <a:avLst/>
           </a:prstGeom>
-          <a:noFill/>
         </p:spPr>
-        <p:txBody>
-          <a:bodyPr wrap="square" rtlCol="0">
-            <a:spAutoFit/>
-          </a:bodyPr>
-          <a:lstStyle/>
-          <a:p>
-            <a:r>
-              <a:rPr lang="en-US" b="1" dirty="0"/>
-              <a:t>Features considered in the proposed solution:</a:t>
-            </a:r>
-          </a:p>
-          <a:p>
-            <a:endParaRPr lang="en-US" b="1" dirty="0"/>
-          </a:p>
-          <a:p>
-            <a:pPr marL="285750" indent="-285750">
-              <a:buFontTx/>
-              <a:buChar char="-"/>
-            </a:pPr>
-            <a:r>
-              <a:rPr lang="en-US" dirty="0"/>
-              <a:t>Store Id ( This would be beneficial to identify the kitchen capacity)</a:t>
-            </a:r>
-          </a:p>
-          <a:p>
-            <a:pPr marL="285750" indent="-285750">
-              <a:buFontTx/>
-              <a:buChar char="-"/>
-            </a:pPr>
-            <a:r>
-              <a:rPr lang="en-US" dirty="0"/>
-              <a:t>Order day and time</a:t>
-            </a:r>
-          </a:p>
-          <a:p>
-            <a:pPr marL="285750" indent="-285750">
-              <a:buFontTx/>
-              <a:buChar char="-"/>
-            </a:pPr>
-            <a:r>
-              <a:rPr lang="en-US" dirty="0"/>
-              <a:t>Order size (in terms of amount)</a:t>
-            </a:r>
-          </a:p>
-          <a:p>
-            <a:pPr marL="285750" indent="-285750">
-              <a:buFontTx/>
-              <a:buChar char="-"/>
-            </a:pPr>
-            <a:r>
-              <a:rPr lang="en-US" dirty="0"/>
-              <a:t>Order size (in terms of # of items ordered)</a:t>
-            </a:r>
-          </a:p>
-          <a:p>
-            <a:pPr marL="285750" indent="-285750">
-              <a:buFontTx/>
-              <a:buChar char="-"/>
-            </a:pPr>
-            <a:r>
-              <a:rPr lang="en-US" dirty="0"/>
-              <a:t>Pending Orders count in kitchen (at time when current order is placed)</a:t>
-            </a:r>
-          </a:p>
-          <a:p>
-            <a:pPr marL="285750" indent="-285750">
-              <a:buFontTx/>
-              <a:buChar char="-"/>
-            </a:pPr>
-            <a:r>
-              <a:rPr lang="en-US" dirty="0"/>
-              <a:t>Pending Orders size (in terms of amount)</a:t>
-            </a:r>
-          </a:p>
-          <a:p>
-            <a:pPr marL="285750" indent="-285750">
-              <a:buFontTx/>
-              <a:buChar char="-"/>
-            </a:pPr>
-            <a:r>
-              <a:rPr lang="en-US" dirty="0"/>
-              <a:t>Pending Orders size (in terms of # of items ordered)</a:t>
-            </a:r>
-          </a:p>
-          <a:p>
-            <a:pPr marL="285750" indent="-285750">
-              <a:buFontTx/>
-              <a:buChar char="-"/>
-            </a:pPr>
-            <a:r>
-              <a:rPr lang="en-US" dirty="0"/>
-              <a:t>Order preparation time</a:t>
-            </a:r>
-          </a:p>
-          <a:p>
-            <a:pPr marL="285750" indent="-285750">
-              <a:buFontTx/>
-              <a:buChar char="-"/>
-            </a:pPr>
-            <a:endParaRPr lang="en-US" b="1" dirty="0"/>
-          </a:p>
-          <a:p>
-            <a:endParaRPr lang="en-US" dirty="0"/>
-          </a:p>
-          <a:p>
-            <a:r>
-              <a:rPr lang="en-US" b="1" dirty="0"/>
-              <a:t>Demo: to follow</a:t>
-            </a:r>
-          </a:p>
-          <a:p>
-            <a:endParaRPr lang="en-US" dirty="0"/>
-          </a:p>
-          <a:p>
-            <a:endParaRPr lang="en-US" dirty="0"/>
-          </a:p>
-        </p:txBody>
-      </p:sp>
+      </p:pic>
     </p:spTree>
     <p:extLst>
       <p:ext uri="{BB962C8B-B14F-4D97-AF65-F5344CB8AC3E}">
-        <p14:creationId xmlns:p14="http://schemas.microsoft.com/office/powerpoint/2010/main" val="3775572590"/>
+        <p14:creationId xmlns:p14="http://schemas.microsoft.com/office/powerpoint/2010/main" val="169135408"/>
       </p:ext>
     </p:extLst>
   </p:cSld>
@@ -5609,6 +5655,545 @@
                   <a:srgbClr val="FFFFFF"/>
                 </a:solidFill>
               </a:rPr>
+              <a:t>Demo</a:t>
+            </a:r>
+            <a:endParaRPr lang="en-US" dirty="0"/>
+          </a:p>
+        </p:txBody>
+      </p:sp>
+      <p:sp>
+        <p:nvSpPr>
+          <p:cNvPr id="2" name="TextBox 1">
+            <a:extLst>
+              <a:ext uri="{FF2B5EF4-FFF2-40B4-BE49-F238E27FC236}">
+                <a16:creationId xmlns:a16="http://schemas.microsoft.com/office/drawing/2014/main" id="{0CB64A6C-1302-48EF-F365-F1BD12C9B9F1}"/>
+              </a:ext>
+            </a:extLst>
+          </p:cNvPr>
+          <p:cNvSpPr txBox="1"/>
+          <p:nvPr/>
+        </p:nvSpPr>
+        <p:spPr>
+          <a:xfrm>
+            <a:off x="441434" y="1962740"/>
+            <a:ext cx="9625204" cy="4247317"/>
+          </a:xfrm>
+          <a:prstGeom prst="rect">
+            <a:avLst/>
+          </a:prstGeom>
+          <a:noFill/>
+        </p:spPr>
+        <p:txBody>
+          <a:bodyPr wrap="square" rtlCol="0">
+            <a:spAutoFit/>
+          </a:bodyPr>
+          <a:lstStyle/>
+          <a:p>
+            <a:r>
+              <a:rPr lang="en-US" b="1" dirty="0"/>
+              <a:t>Features considered in the proposed solution:</a:t>
+            </a:r>
+          </a:p>
+          <a:p>
+            <a:endParaRPr lang="en-US" b="1" dirty="0"/>
+          </a:p>
+          <a:p>
+            <a:pPr marL="285750" indent="-285750">
+              <a:buFontTx/>
+              <a:buChar char="-"/>
+            </a:pPr>
+            <a:r>
+              <a:rPr lang="en-US" dirty="0"/>
+              <a:t>Store Id ( This would be beneficial to identify the kitchen capacity)</a:t>
+            </a:r>
+          </a:p>
+          <a:p>
+            <a:pPr marL="285750" indent="-285750">
+              <a:buFontTx/>
+              <a:buChar char="-"/>
+            </a:pPr>
+            <a:r>
+              <a:rPr lang="en-US" dirty="0"/>
+              <a:t>Order day and time</a:t>
+            </a:r>
+          </a:p>
+          <a:p>
+            <a:pPr marL="285750" indent="-285750">
+              <a:buFontTx/>
+              <a:buChar char="-"/>
+            </a:pPr>
+            <a:r>
+              <a:rPr lang="en-US" dirty="0"/>
+              <a:t>Order size (in terms of amount)</a:t>
+            </a:r>
+          </a:p>
+          <a:p>
+            <a:pPr marL="285750" indent="-285750">
+              <a:buFontTx/>
+              <a:buChar char="-"/>
+            </a:pPr>
+            <a:r>
+              <a:rPr lang="en-US" dirty="0"/>
+              <a:t>Order size (in terms of # of items ordered)</a:t>
+            </a:r>
+          </a:p>
+          <a:p>
+            <a:pPr marL="285750" indent="-285750">
+              <a:buFontTx/>
+              <a:buChar char="-"/>
+            </a:pPr>
+            <a:r>
+              <a:rPr lang="en-US" dirty="0"/>
+              <a:t>Pending Orders count in kitchen (at time when current order is placed)</a:t>
+            </a:r>
+          </a:p>
+          <a:p>
+            <a:pPr marL="285750" indent="-285750">
+              <a:buFontTx/>
+              <a:buChar char="-"/>
+            </a:pPr>
+            <a:r>
+              <a:rPr lang="en-US" dirty="0"/>
+              <a:t>Pending Orders size (in terms of amount)</a:t>
+            </a:r>
+          </a:p>
+          <a:p>
+            <a:pPr marL="285750" indent="-285750">
+              <a:buFontTx/>
+              <a:buChar char="-"/>
+            </a:pPr>
+            <a:r>
+              <a:rPr lang="en-US" dirty="0"/>
+              <a:t>Pending Orders size (in terms of # of items ordered)</a:t>
+            </a:r>
+          </a:p>
+          <a:p>
+            <a:pPr marL="285750" indent="-285750">
+              <a:buFontTx/>
+              <a:buChar char="-"/>
+            </a:pPr>
+            <a:r>
+              <a:rPr lang="en-US" dirty="0"/>
+              <a:t>Order preparation time</a:t>
+            </a:r>
+          </a:p>
+          <a:p>
+            <a:pPr marL="285750" indent="-285750">
+              <a:buFontTx/>
+              <a:buChar char="-"/>
+            </a:pPr>
+            <a:endParaRPr lang="en-US" b="1" dirty="0"/>
+          </a:p>
+          <a:p>
+            <a:endParaRPr lang="en-US" dirty="0"/>
+          </a:p>
+          <a:p>
+            <a:r>
+              <a:rPr lang="en-US" b="1" dirty="0"/>
+              <a:t>Demo: to follow</a:t>
+            </a:r>
+          </a:p>
+          <a:p>
+            <a:endParaRPr lang="en-US" dirty="0"/>
+          </a:p>
+          <a:p>
+            <a:endParaRPr lang="en-US" dirty="0"/>
+          </a:p>
+        </p:txBody>
+      </p:sp>
+    </p:spTree>
+    <p:extLst>
+      <p:ext uri="{BB962C8B-B14F-4D97-AF65-F5344CB8AC3E}">
+        <p14:creationId xmlns:p14="http://schemas.microsoft.com/office/powerpoint/2010/main" val="3775572590"/>
+      </p:ext>
+    </p:extLst>
+  </p:cSld>
+  <p:clrMapOvr>
+    <a:masterClrMapping/>
+  </p:clrMapOvr>
+</p:sld>
+</file>
+
+<file path=ppt/slides/slide6.xml><?xml version="1.0" encoding="utf-8"?>
+<p:sld xmlns:a="http://schemas.openxmlformats.org/drawingml/2006/main" xmlns:r="http://schemas.openxmlformats.org/officeDocument/2006/relationships" xmlns:p="http://schemas.openxmlformats.org/presentationml/2006/main">
+  <p:cSld>
+    <p:bg>
+      <p:bgPr>
+        <a:solidFill>
+          <a:schemeClr val="bg1"/>
+        </a:solidFill>
+        <a:effectLst/>
+      </p:bgPr>
+    </p:bg>
+    <p:spTree>
+      <p:nvGrpSpPr>
+        <p:cNvPr id="1" name=""/>
+        <p:cNvGrpSpPr/>
+        <p:nvPr/>
+      </p:nvGrpSpPr>
+      <p:grpSpPr>
+        <a:xfrm>
+          <a:off x="0" y="0"/>
+          <a:ext cx="0" cy="0"/>
+          <a:chOff x="0" y="0"/>
+          <a:chExt cx="0" cy="0"/>
+        </a:xfrm>
+      </p:grpSpPr>
+      <p:sp useBgFill="1">
+        <p:nvSpPr>
+          <p:cNvPr id="22" name="Rectangle 21">
+            <a:extLst>
+              <a:ext uri="{FF2B5EF4-FFF2-40B4-BE49-F238E27FC236}">
+                <a16:creationId xmlns:a16="http://schemas.microsoft.com/office/drawing/2014/main" id="{BACC6370-2D7E-4714-9D71-7542949D7D5D}"/>
+              </a:ext>
+              <a:ext uri="{C183D7F6-B498-43B3-948B-1728B52AA6E4}">
+                <adec:decorative xmlns:adec="http://schemas.microsoft.com/office/drawing/2017/decorative" val="1"/>
+              </a:ext>
+            </a:extLst>
+          </p:cNvPr>
+          <p:cNvSpPr>
+            <a:spLocks noGrp="1" noRot="1" noChangeAspect="1" noMove="1" noResize="1" noEditPoints="1" noAdjustHandles="1" noChangeArrowheads="1" noChangeShapeType="1" noTextEdit="1"/>
+          </p:cNvSpPr>
+          <p:nvPr>
+            <p:extLst>
+              <p:ext uri="{386F3935-93C4-4BCD-93E2-E3B085C9AB24}">
+                <p16:designElem xmlns:p16="http://schemas.microsoft.com/office/powerpoint/2015/main" val="1"/>
+              </p:ext>
+            </p:extLst>
+          </p:nvPr>
+        </p:nvSpPr>
+        <p:spPr>
+          <a:xfrm>
+            <a:off x="0" y="0"/>
+            <a:ext cx="12192000" cy="6858000"/>
+          </a:xfrm>
+          <a:prstGeom prst="rect">
+            <a:avLst/>
+          </a:prstGeom>
+          <a:ln w="12700" cap="flat" cmpd="sng" algn="ctr">
+            <a:noFill/>
+            <a:prstDash val="solid"/>
+            <a:miter lim="800000"/>
+          </a:ln>
+          <a:effectLst/>
+          <a:extLst>
+            <a:ext uri="{91240B29-F687-4F45-9708-019B960494DF}">
+              <a14:hiddenLine xmlns:a14="http://schemas.microsoft.com/office/drawing/2010/main" w="12700" cap="flat" cmpd="sng" algn="ctr">
+                <a:solidFill>
+                  <a:schemeClr val="accent1">
+                    <a:shade val="50000"/>
+                  </a:schemeClr>
+                </a:solidFill>
+                <a:prstDash val="solid"/>
+                <a:miter lim="800000"/>
+              </a14:hiddenLine>
+            </a:ext>
+          </a:extLst>
+        </p:spPr>
+        <p:style>
+          <a:lnRef idx="2">
+            <a:schemeClr val="accent1">
+              <a:shade val="50000"/>
+            </a:schemeClr>
+          </a:lnRef>
+          <a:fillRef idx="1">
+            <a:schemeClr val="accent1"/>
+          </a:fillRef>
+          <a:effectRef idx="0">
+            <a:schemeClr val="accent1"/>
+          </a:effectRef>
+          <a:fontRef idx="minor">
+            <a:schemeClr val="lt1"/>
+          </a:fontRef>
+        </p:style>
+        <p:txBody>
+          <a:bodyPr rtlCol="0" anchor="ctr"/>
+          <a:lstStyle/>
+          <a:p>
+            <a:pPr algn="ctr"/>
+            <a:endParaRPr lang="en-US" dirty="0"/>
+          </a:p>
+        </p:txBody>
+      </p:sp>
+      <p:sp>
+        <p:nvSpPr>
+          <p:cNvPr id="24" name="Rectangle 23">
+            <a:extLst>
+              <a:ext uri="{FF2B5EF4-FFF2-40B4-BE49-F238E27FC236}">
+                <a16:creationId xmlns:a16="http://schemas.microsoft.com/office/drawing/2014/main" id="{F68B3F68-107C-434F-AA38-110D5EA91B85}"/>
+              </a:ext>
+              <a:ext uri="{C183D7F6-B498-43B3-948B-1728B52AA6E4}">
+                <adec:decorative xmlns:adec="http://schemas.microsoft.com/office/drawing/2017/decorative" val="1"/>
+              </a:ext>
+            </a:extLst>
+          </p:cNvPr>
+          <p:cNvSpPr>
+            <a:spLocks noGrp="1" noRot="1" noChangeAspect="1" noMove="1" noResize="1" noEditPoints="1" noAdjustHandles="1" noChangeArrowheads="1" noChangeShapeType="1" noTextEdit="1"/>
+          </p:cNvSpPr>
+          <p:nvPr>
+            <p:extLst>
+              <p:ext uri="{386F3935-93C4-4BCD-93E2-E3B085C9AB24}">
+                <p16:designElem xmlns:p16="http://schemas.microsoft.com/office/powerpoint/2015/main" val="1"/>
+              </p:ext>
+            </p:extLst>
+          </p:nvPr>
+        </p:nvSpPr>
+        <p:spPr>
+          <a:xfrm flipH="1">
+            <a:off x="2" y="0"/>
+            <a:ext cx="12191998" cy="1575955"/>
+          </a:xfrm>
+          <a:prstGeom prst="rect">
+            <a:avLst/>
+          </a:prstGeom>
+          <a:gradFill>
+            <a:gsLst>
+              <a:gs pos="0">
+                <a:srgbClr val="000000">
+                  <a:alpha val="96000"/>
+                </a:srgbClr>
+              </a:gs>
+              <a:gs pos="100000">
+                <a:schemeClr val="accent1">
+                  <a:lumMod val="75000"/>
+                </a:schemeClr>
+              </a:gs>
+            </a:gsLst>
+            <a:lin ang="8400000" scaled="0"/>
+          </a:gradFill>
+          <a:ln>
+            <a:noFill/>
+          </a:ln>
+        </p:spPr>
+        <p:style>
+          <a:lnRef idx="2">
+            <a:schemeClr val="accent1">
+              <a:shade val="50000"/>
+            </a:schemeClr>
+          </a:lnRef>
+          <a:fillRef idx="1">
+            <a:schemeClr val="accent1"/>
+          </a:fillRef>
+          <a:effectRef idx="0">
+            <a:schemeClr val="accent1"/>
+          </a:effectRef>
+          <a:fontRef idx="minor">
+            <a:schemeClr val="lt1"/>
+          </a:fontRef>
+        </p:style>
+        <p:txBody>
+          <a:bodyPr rtlCol="0" anchor="ctr"/>
+          <a:lstStyle/>
+          <a:p>
+            <a:pPr algn="ctr"/>
+            <a:endParaRPr lang="en-US" dirty="0"/>
+          </a:p>
+        </p:txBody>
+      </p:sp>
+      <p:sp>
+        <p:nvSpPr>
+          <p:cNvPr id="26" name="Rectangle 25">
+            <a:extLst>
+              <a:ext uri="{FF2B5EF4-FFF2-40B4-BE49-F238E27FC236}">
+                <a16:creationId xmlns:a16="http://schemas.microsoft.com/office/drawing/2014/main" id="{AAD0DBB9-1A4B-4391-81D4-CB19F9AB918A}"/>
+              </a:ext>
+              <a:ext uri="{C183D7F6-B498-43B3-948B-1728B52AA6E4}">
+                <adec:decorative xmlns:adec="http://schemas.microsoft.com/office/drawing/2017/decorative" val="1"/>
+              </a:ext>
+            </a:extLst>
+          </p:cNvPr>
+          <p:cNvSpPr>
+            <a:spLocks noGrp="1" noRot="1" noChangeAspect="1" noMove="1" noResize="1" noEditPoints="1" noAdjustHandles="1" noChangeArrowheads="1" noChangeShapeType="1" noTextEdit="1"/>
+          </p:cNvSpPr>
+          <p:nvPr>
+            <p:extLst>
+              <p:ext uri="{386F3935-93C4-4BCD-93E2-E3B085C9AB24}">
+                <p16:designElem xmlns:p16="http://schemas.microsoft.com/office/powerpoint/2015/main" val="1"/>
+              </p:ext>
+            </p:extLst>
+          </p:nvPr>
+        </p:nvSpPr>
+        <p:spPr>
+          <a:xfrm rot="10800000" flipH="1">
+            <a:off x="8128857" y="0"/>
+            <a:ext cx="4063143" cy="1576412"/>
+          </a:xfrm>
+          <a:prstGeom prst="rect">
+            <a:avLst/>
+          </a:prstGeom>
+          <a:gradFill>
+            <a:gsLst>
+              <a:gs pos="19000">
+                <a:schemeClr val="accent1">
+                  <a:lumMod val="50000"/>
+                  <a:alpha val="68000"/>
+                </a:schemeClr>
+              </a:gs>
+              <a:gs pos="100000">
+                <a:schemeClr val="accent1">
+                  <a:alpha val="79000"/>
+                </a:schemeClr>
+              </a:gs>
+            </a:gsLst>
+            <a:lin ang="19200000" scaled="0"/>
+          </a:gradFill>
+          <a:ln>
+            <a:noFill/>
+          </a:ln>
+        </p:spPr>
+        <p:style>
+          <a:lnRef idx="2">
+            <a:schemeClr val="accent1">
+              <a:shade val="50000"/>
+            </a:schemeClr>
+          </a:lnRef>
+          <a:fillRef idx="1">
+            <a:schemeClr val="accent1"/>
+          </a:fillRef>
+          <a:effectRef idx="0">
+            <a:schemeClr val="accent1"/>
+          </a:effectRef>
+          <a:fontRef idx="minor">
+            <a:schemeClr val="lt1"/>
+          </a:fontRef>
+        </p:style>
+        <p:txBody>
+          <a:bodyPr rtlCol="0" anchor="ctr"/>
+          <a:lstStyle/>
+          <a:p>
+            <a:pPr algn="ctr"/>
+            <a:endParaRPr lang="en-US" dirty="0"/>
+          </a:p>
+        </p:txBody>
+      </p:sp>
+      <p:sp>
+        <p:nvSpPr>
+          <p:cNvPr id="28" name="Rectangle 27">
+            <a:extLst>
+              <a:ext uri="{FF2B5EF4-FFF2-40B4-BE49-F238E27FC236}">
+                <a16:creationId xmlns:a16="http://schemas.microsoft.com/office/drawing/2014/main" id="{063BBA22-50EA-4C4D-BE05-F1CE4E63AA56}"/>
+              </a:ext>
+              <a:ext uri="{C183D7F6-B498-43B3-948B-1728B52AA6E4}">
+                <adec:decorative xmlns:adec="http://schemas.microsoft.com/office/drawing/2017/decorative" val="1"/>
+              </a:ext>
+            </a:extLst>
+          </p:cNvPr>
+          <p:cNvSpPr>
+            <a:spLocks noGrp="1" noRot="1" noChangeAspect="1" noMove="1" noResize="1" noEditPoints="1" noAdjustHandles="1" noChangeArrowheads="1" noChangeShapeType="1" noTextEdit="1"/>
+          </p:cNvSpPr>
+          <p:nvPr>
+            <p:extLst>
+              <p:ext uri="{386F3935-93C4-4BCD-93E2-E3B085C9AB24}">
+                <p16:designElem xmlns:p16="http://schemas.microsoft.com/office/powerpoint/2015/main" val="1"/>
+              </p:ext>
+            </p:extLst>
+          </p:nvPr>
+        </p:nvSpPr>
+        <p:spPr>
+          <a:xfrm rot="5400000">
+            <a:off x="5307777" y="-5307778"/>
+            <a:ext cx="1576446" cy="12192002"/>
+          </a:xfrm>
+          <a:prstGeom prst="rect">
+            <a:avLst/>
+          </a:prstGeom>
+          <a:gradFill>
+            <a:gsLst>
+              <a:gs pos="23000">
+                <a:schemeClr val="accent1">
+                  <a:alpha val="0"/>
+                </a:schemeClr>
+              </a:gs>
+              <a:gs pos="99000">
+                <a:srgbClr val="000000">
+                  <a:alpha val="74000"/>
+                </a:srgbClr>
+              </a:gs>
+            </a:gsLst>
+            <a:lin ang="20400000" scaled="0"/>
+          </a:gradFill>
+          <a:ln>
+            <a:noFill/>
+          </a:ln>
+        </p:spPr>
+        <p:style>
+          <a:lnRef idx="2">
+            <a:schemeClr val="accent1">
+              <a:shade val="50000"/>
+            </a:schemeClr>
+          </a:lnRef>
+          <a:fillRef idx="1">
+            <a:schemeClr val="accent1"/>
+          </a:fillRef>
+          <a:effectRef idx="0">
+            <a:schemeClr val="accent1"/>
+          </a:effectRef>
+          <a:fontRef idx="minor">
+            <a:schemeClr val="lt1"/>
+          </a:fontRef>
+        </p:style>
+        <p:txBody>
+          <a:bodyPr rtlCol="0" anchor="ctr"/>
+          <a:lstStyle/>
+          <a:p>
+            <a:pPr algn="ctr"/>
+            <a:endParaRPr lang="en-US" dirty="0"/>
+          </a:p>
+        </p:txBody>
+      </p:sp>
+      <p:sp>
+        <p:nvSpPr>
+          <p:cNvPr id="5" name="Title 1">
+            <a:extLst>
+              <a:ext uri="{FF2B5EF4-FFF2-40B4-BE49-F238E27FC236}">
+                <a16:creationId xmlns:a16="http://schemas.microsoft.com/office/drawing/2014/main" id="{44C13E76-35AB-7E89-9B0E-946520EC8AD3}"/>
+              </a:ext>
+            </a:extLst>
+          </p:cNvPr>
+          <p:cNvSpPr txBox="1">
+            <a:spLocks/>
+          </p:cNvSpPr>
+          <p:nvPr/>
+        </p:nvSpPr>
+        <p:spPr>
+          <a:xfrm>
+            <a:off x="530772" y="271142"/>
+            <a:ext cx="9895951" cy="1033669"/>
+          </a:xfrm>
+          <a:prstGeom prst="rect">
+            <a:avLst/>
+          </a:prstGeom>
+        </p:spPr>
+        <p:txBody>
+          <a:bodyPr vert="horz" lIns="91440" tIns="45720" rIns="91440" bIns="45720" rtlCol="0" anchor="ctr">
+            <a:noAutofit/>
+          </a:bodyPr>
+          <a:lstStyle>
+            <a:lvl1pPr algn="l" defTabSz="914400" rtl="0" eaLnBrk="1" latinLnBrk="0" hangingPunct="1">
+              <a:lnSpc>
+                <a:spcPct val="90000"/>
+              </a:lnSpc>
+              <a:spcBef>
+                <a:spcPct val="0"/>
+              </a:spcBef>
+              <a:buNone/>
+              <a:defRPr sz="4400" kern="1200">
+                <a:solidFill>
+                  <a:schemeClr val="tx1"/>
+                </a:solidFill>
+                <a:latin typeface="+mj-lt"/>
+                <a:ea typeface="+mj-ea"/>
+                <a:cs typeface="+mj-cs"/>
+              </a:defRPr>
+            </a:lvl1pPr>
+          </a:lstStyle>
+          <a:p>
+            <a:r>
+              <a:rPr lang="en-IN" sz="4000" dirty="0">
+                <a:solidFill>
+                  <a:srgbClr val="FFFFFF"/>
+                </a:solidFill>
+              </a:rPr>
               <a:t>Next Steps</a:t>
             </a:r>
             <a:endParaRPr lang="en-US" dirty="0"/>
@@ -5685,7 +6270,7 @@
 </p:sld>
 </file>
 
-<file path=ppt/slides/slide6.xml><?xml version="1.0" encoding="utf-8"?>
+<file path=ppt/slides/slide7.xml><?xml version="1.0" encoding="utf-8"?>
 <p:sld xmlns:a="http://schemas.openxmlformats.org/drawingml/2006/main" xmlns:r="http://schemas.openxmlformats.org/officeDocument/2006/relationships" xmlns:p="http://schemas.openxmlformats.org/presentationml/2006/main">
   <p:cSld>
     <p:bg>
@@ -6440,6 +7025,17 @@
 </file>
 
 <file path=customXml/item2.xml><?xml version="1.0" encoding="utf-8"?>
+<p:properties xmlns:p="http://schemas.microsoft.com/office/2006/metadata/properties" xmlns:xsi="http://www.w3.org/2001/XMLSchema-instance" xmlns:pc="http://schemas.microsoft.com/office/infopath/2007/PartnerControls">
+  <documentManagement>
+    <lcf76f155ced4ddcb4097134ff3c332f xmlns="eb237ec5-7b34-4048-9631-715884ccc04f">
+      <Terms xmlns="http://schemas.microsoft.com/office/infopath/2007/PartnerControls"/>
+    </lcf76f155ced4ddcb4097134ff3c332f>
+    <TaxCatchAll xmlns="737f1623-2dc2-4008-9151-7e09bcfb07a9" xsi:nil="true"/>
+  </documentManagement>
+</p:properties>
+</file>
+
+<file path=customXml/item3.xml><?xml version="1.0" encoding="utf-8"?>
 <ct:contentTypeSchema xmlns:ct="http://schemas.microsoft.com/office/2006/metadata/contentType" xmlns:ma="http://schemas.microsoft.com/office/2006/metadata/properties/metaAttributes" ct:_="" ma:_="" ma:contentTypeName="Document" ma:contentTypeID="0x0101008D6594B60447D24CA80180419EB33F39" ma:contentTypeVersion="13" ma:contentTypeDescription="Create a new document." ma:contentTypeScope="" ma:versionID="0dfdc30609cdd3bf75bbe793b253178e">
   <xsd:schema xmlns:xsd="http://www.w3.org/2001/XMLSchema" xmlns:xs="http://www.w3.org/2001/XMLSchema" xmlns:p="http://schemas.microsoft.com/office/2006/metadata/properties" xmlns:ns2="eb237ec5-7b34-4048-9631-715884ccc04f" xmlns:ns3="737f1623-2dc2-4008-9151-7e09bcfb07a9" targetNamespace="http://schemas.microsoft.com/office/2006/metadata/properties" ma:root="true" ma:fieldsID="52721e33bcc3122fa820ee3892832ea0" ns2:_="" ns3:_="">
     <xsd:import namespace="eb237ec5-7b34-4048-9631-715884ccc04f"/>
@@ -6662,17 +7258,6 @@
 </ct:contentTypeSchema>
 </file>
 
-<file path=customXml/item3.xml><?xml version="1.0" encoding="utf-8"?>
-<p:properties xmlns:p="http://schemas.microsoft.com/office/2006/metadata/properties" xmlns:xsi="http://www.w3.org/2001/XMLSchema-instance" xmlns:pc="http://schemas.microsoft.com/office/infopath/2007/PartnerControls">
-  <documentManagement>
-    <lcf76f155ced4ddcb4097134ff3c332f xmlns="eb237ec5-7b34-4048-9631-715884ccc04f">
-      <Terms xmlns="http://schemas.microsoft.com/office/infopath/2007/PartnerControls"/>
-    </lcf76f155ced4ddcb4097134ff3c332f>
-    <TaxCatchAll xmlns="737f1623-2dc2-4008-9151-7e09bcfb07a9" xsi:nil="true"/>
-  </documentManagement>
-</p:properties>
-</file>
-
 <file path=customXml/itemProps1.xml><?xml version="1.0" encoding="utf-8"?>
 <ds:datastoreItem xmlns:ds="http://schemas.openxmlformats.org/officeDocument/2006/customXml" ds:itemID="{E575B523-595B-4B0A-9268-A0184A515C33}">
   <ds:schemaRefs>
@@ -6682,6 +7267,17 @@
 </file>
 
 <file path=customXml/itemProps2.xml><?xml version="1.0" encoding="utf-8"?>
+<ds:datastoreItem xmlns:ds="http://schemas.openxmlformats.org/officeDocument/2006/customXml" ds:itemID="{8995B25A-A1F2-4DDA-B298-9E913786E416}">
+  <ds:schemaRefs>
+    <ds:schemaRef ds:uri="737f1623-2dc2-4008-9151-7e09bcfb07a9"/>
+    <ds:schemaRef ds:uri="eb237ec5-7b34-4048-9631-715884ccc04f"/>
+    <ds:schemaRef ds:uri="http://schemas.microsoft.com/office/2006/metadata/properties"/>
+    <ds:schemaRef ds:uri="http://schemas.microsoft.com/office/infopath/2007/PartnerControls"/>
+  </ds:schemaRefs>
+</ds:datastoreItem>
+</file>
+
+<file path=customXml/itemProps3.xml><?xml version="1.0" encoding="utf-8"?>
 <ds:datastoreItem xmlns:ds="http://schemas.openxmlformats.org/officeDocument/2006/customXml" ds:itemID="{10D7422A-5025-4E75-8C67-30771A318A97}">
   <ds:schemaRefs>
     <ds:schemaRef ds:uri="737f1623-2dc2-4008-9151-7e09bcfb07a9"/>
@@ -6698,15 +7294,4 @@
     <ds:schemaRef ds:uri="http://www.w3.org/2001/XMLSchema"/>
   </ds:schemaRefs>
 </ds:datastoreItem>
-</file>
-
-<file path=customXml/itemProps3.xml><?xml version="1.0" encoding="utf-8"?>
-<ds:datastoreItem xmlns:ds="http://schemas.openxmlformats.org/officeDocument/2006/customXml" ds:itemID="{8995B25A-A1F2-4DDA-B298-9E913786E416}">
-  <ds:schemaRefs>
-    <ds:schemaRef ds:uri="737f1623-2dc2-4008-9151-7e09bcfb07a9"/>
-    <ds:schemaRef ds:uri="eb237ec5-7b34-4048-9631-715884ccc04f"/>
-    <ds:schemaRef ds:uri="http://schemas.microsoft.com/office/2006/metadata/properties"/>
-    <ds:schemaRef ds:uri="http://schemas.microsoft.com/office/infopath/2007/PartnerControls"/>
-  </ds:schemaRefs>
-</ds:datastoreItem>
 </file>
--- a/Hackathon2023-AI-Chauffeurs.pptx
+++ b/Hackathon2023-AI-Chauffeurs.pptx
@@ -8,10 +8,11 @@
     <p:sldId id="256" r:id="rId5"/>
     <p:sldId id="268" r:id="rId6"/>
     <p:sldId id="269" r:id="rId7"/>
-    <p:sldId id="273" r:id="rId8"/>
-    <p:sldId id="272" r:id="rId9"/>
-    <p:sldId id="270" r:id="rId10"/>
-    <p:sldId id="271" r:id="rId11"/>
+    <p:sldId id="274" r:id="rId8"/>
+    <p:sldId id="273" r:id="rId9"/>
+    <p:sldId id="272" r:id="rId10"/>
+    <p:sldId id="270" r:id="rId11"/>
+    <p:sldId id="271" r:id="rId12"/>
   </p:sldIdLst>
   <p:sldSz cx="12192000" cy="6858000"/>
   <p:notesSz cx="6858000" cy="9144000"/>
@@ -5232,40 +5233,63 @@
           </a:p>
         </p:txBody>
       </p:sp>
-      <p:pic>
-        <p:nvPicPr>
-          <p:cNvPr id="6" name="Picture 5" descr="A close-up of a math problem&#10;&#10;Description automatically generated">
-            <a:extLst>
-              <a:ext uri="{FF2B5EF4-FFF2-40B4-BE49-F238E27FC236}">
-                <a16:creationId xmlns:a16="http://schemas.microsoft.com/office/drawing/2014/main" id="{60CBF424-EFD3-456D-AFF3-DD0D53A348E1}"/>
-              </a:ext>
-            </a:extLst>
-          </p:cNvPr>
-          <p:cNvPicPr>
-            <a:picLocks noChangeAspect="1"/>
-          </p:cNvPicPr>
+      <p:sp>
+        <p:nvSpPr>
+          <p:cNvPr id="2" name="TextBox 1">
+            <a:extLst>
+              <a:ext uri="{FF2B5EF4-FFF2-40B4-BE49-F238E27FC236}">
+                <a16:creationId xmlns:a16="http://schemas.microsoft.com/office/drawing/2014/main" id="{47C47C51-0343-0037-A596-244D1D7BA5DD}"/>
+              </a:ext>
+            </a:extLst>
+          </p:cNvPr>
+          <p:cNvSpPr txBox="1"/>
           <p:nvPr/>
-        </p:nvPicPr>
-        <p:blipFill>
-          <a:blip r:embed="rId2"/>
-          <a:stretch>
-            <a:fillRect/>
-          </a:stretch>
-        </p:blipFill>
+        </p:nvSpPr>
         <p:spPr>
           <a:xfrm>
-            <a:off x="2619282" y="1723037"/>
-            <a:ext cx="7144632" cy="4987389"/>
+            <a:off x="1301578" y="2430162"/>
+            <a:ext cx="9819503" cy="1477328"/>
           </a:xfrm>
           <a:prstGeom prst="rect">
             <a:avLst/>
           </a:prstGeom>
+          <a:noFill/>
         </p:spPr>
-      </p:pic>
+        <p:txBody>
+          <a:bodyPr wrap="square" rtlCol="0">
+            <a:spAutoFit/>
+          </a:bodyPr>
+          <a:lstStyle/>
+          <a:p>
+            <a:r>
+              <a:rPr lang="en-US" dirty="0"/>
+              <a:t>Say Total Records  = 100 million</a:t>
+            </a:r>
+          </a:p>
+          <a:p>
+            <a:endParaRPr lang="en-US" dirty="0"/>
+          </a:p>
+          <a:p>
+            <a:r>
+              <a:rPr lang="en-US" dirty="0"/>
+              <a:t>Train Date ( 80%)  =  80 million</a:t>
+            </a:r>
+          </a:p>
+          <a:p>
+            <a:endParaRPr lang="en-US" dirty="0"/>
+          </a:p>
+          <a:p>
+            <a:r>
+              <a:rPr lang="en-US" dirty="0"/>
+              <a:t>Test Date (20%)     = 20 million</a:t>
+            </a:r>
+          </a:p>
+        </p:txBody>
+      </p:sp>
     </p:spTree>
     <p:extLst>
       <p:ext uri="{BB962C8B-B14F-4D97-AF65-F5344CB8AC3E}">
-        <p14:creationId xmlns:p14="http://schemas.microsoft.com/office/powerpoint/2010/main" val="169135408"/>
+        <p14:creationId xmlns:p14="http://schemas.microsoft.com/office/powerpoint/2010/main" val="1464679299"/>
       </p:ext>
     </p:extLst>
   </p:cSld>
@@ -5371,8 +5395,37 @@
           <a:bodyPr rtlCol="0" anchor="ctr"/>
           <a:lstStyle/>
           <a:p>
-            <a:pPr algn="ctr"/>
-            <a:endParaRPr lang="en-US" dirty="0"/>
+            <a:pPr marL="0" marR="0" lvl="0" indent="0" algn="ctr" defTabSz="914400" rtl="0" eaLnBrk="1" fontAlgn="auto" latinLnBrk="0" hangingPunct="1">
+              <a:lnSpc>
+                <a:spcPct val="100000"/>
+              </a:lnSpc>
+              <a:spcBef>
+                <a:spcPts val="0"/>
+              </a:spcBef>
+              <a:spcAft>
+                <a:spcPts val="0"/>
+              </a:spcAft>
+              <a:buClrTx/>
+              <a:buSzTx/>
+              <a:buFontTx/>
+              <a:buNone/>
+              <a:tabLst/>
+              <a:defRPr/>
+            </a:pPr>
+            <a:endParaRPr kumimoji="0" lang="en-US" sz="1800" b="0" i="0" u="none" strike="noStrike" kern="1200" cap="none" spc="0" normalizeH="0" baseline="0" noProof="0" dirty="0">
+              <a:ln>
+                <a:noFill/>
+              </a:ln>
+              <a:solidFill>
+                <a:prstClr val="white"/>
+              </a:solidFill>
+              <a:effectLst/>
+              <a:uLnTx/>
+              <a:uFillTx/>
+              <a:latin typeface="Calibri" panose="020F0502020204030204"/>
+              <a:ea typeface="+mn-ea"/>
+              <a:cs typeface="+mn-cs"/>
+            </a:endParaRPr>
           </a:p>
         </p:txBody>
       </p:sp>
@@ -5446,8 +5499,37 @@
           <a:bodyPr rtlCol="0" anchor="ctr"/>
           <a:lstStyle/>
           <a:p>
-            <a:pPr algn="ctr"/>
-            <a:endParaRPr lang="en-US" dirty="0"/>
+            <a:pPr marL="0" marR="0" lvl="0" indent="0" algn="ctr" defTabSz="914400" rtl="0" eaLnBrk="1" fontAlgn="auto" latinLnBrk="0" hangingPunct="1">
+              <a:lnSpc>
+                <a:spcPct val="100000"/>
+              </a:lnSpc>
+              <a:spcBef>
+                <a:spcPts val="0"/>
+              </a:spcBef>
+              <a:spcAft>
+                <a:spcPts val="0"/>
+              </a:spcAft>
+              <a:buClrTx/>
+              <a:buSzTx/>
+              <a:buFontTx/>
+              <a:buNone/>
+              <a:tabLst/>
+              <a:defRPr/>
+            </a:pPr>
+            <a:endParaRPr kumimoji="0" lang="en-US" sz="1800" b="0" i="0" u="none" strike="noStrike" kern="1200" cap="none" spc="0" normalizeH="0" baseline="0" noProof="0" dirty="0">
+              <a:ln>
+                <a:noFill/>
+              </a:ln>
+              <a:solidFill>
+                <a:prstClr val="white"/>
+              </a:solidFill>
+              <a:effectLst/>
+              <a:uLnTx/>
+              <a:uFillTx/>
+              <a:latin typeface="Calibri" panose="020F0502020204030204"/>
+              <a:ea typeface="+mn-ea"/>
+              <a:cs typeface="+mn-cs"/>
+            </a:endParaRPr>
           </a:p>
         </p:txBody>
       </p:sp>
@@ -5522,8 +5604,37 @@
           <a:bodyPr rtlCol="0" anchor="ctr"/>
           <a:lstStyle/>
           <a:p>
-            <a:pPr algn="ctr"/>
-            <a:endParaRPr lang="en-US" dirty="0"/>
+            <a:pPr marL="0" marR="0" lvl="0" indent="0" algn="ctr" defTabSz="914400" rtl="0" eaLnBrk="1" fontAlgn="auto" latinLnBrk="0" hangingPunct="1">
+              <a:lnSpc>
+                <a:spcPct val="100000"/>
+              </a:lnSpc>
+              <a:spcBef>
+                <a:spcPts val="0"/>
+              </a:spcBef>
+              <a:spcAft>
+                <a:spcPts val="0"/>
+              </a:spcAft>
+              <a:buClrTx/>
+              <a:buSzTx/>
+              <a:buFontTx/>
+              <a:buNone/>
+              <a:tabLst/>
+              <a:defRPr/>
+            </a:pPr>
+            <a:endParaRPr kumimoji="0" lang="en-US" sz="1800" b="0" i="0" u="none" strike="noStrike" kern="1200" cap="none" spc="0" normalizeH="0" baseline="0" noProof="0" dirty="0">
+              <a:ln>
+                <a:noFill/>
+              </a:ln>
+              <a:solidFill>
+                <a:prstClr val="white"/>
+              </a:solidFill>
+              <a:effectLst/>
+              <a:uLnTx/>
+              <a:uFillTx/>
+              <a:latin typeface="Calibri" panose="020F0502020204030204"/>
+              <a:ea typeface="+mn-ea"/>
+              <a:cs typeface="+mn-cs"/>
+            </a:endParaRPr>
           </a:p>
         </p:txBody>
       </p:sp>
@@ -5597,8 +5708,37 @@
           <a:bodyPr rtlCol="0" anchor="ctr"/>
           <a:lstStyle/>
           <a:p>
-            <a:pPr algn="ctr"/>
-            <a:endParaRPr lang="en-US" dirty="0"/>
+            <a:pPr marL="0" marR="0" lvl="0" indent="0" algn="ctr" defTabSz="914400" rtl="0" eaLnBrk="1" fontAlgn="auto" latinLnBrk="0" hangingPunct="1">
+              <a:lnSpc>
+                <a:spcPct val="100000"/>
+              </a:lnSpc>
+              <a:spcBef>
+                <a:spcPts val="0"/>
+              </a:spcBef>
+              <a:spcAft>
+                <a:spcPts val="0"/>
+              </a:spcAft>
+              <a:buClrTx/>
+              <a:buSzTx/>
+              <a:buFontTx/>
+              <a:buNone/>
+              <a:tabLst/>
+              <a:defRPr/>
+            </a:pPr>
+            <a:endParaRPr kumimoji="0" lang="en-US" sz="1800" b="0" i="0" u="none" strike="noStrike" kern="1200" cap="none" spc="0" normalizeH="0" baseline="0" noProof="0" dirty="0">
+              <a:ln>
+                <a:noFill/>
+              </a:ln>
+              <a:solidFill>
+                <a:prstClr val="white"/>
+              </a:solidFill>
+              <a:effectLst/>
+              <a:uLnTx/>
+              <a:uFillTx/>
+              <a:latin typeface="Calibri" panose="020F0502020204030204"/>
+              <a:ea typeface="+mn-ea"/>
+              <a:cs typeface="+mn-cs"/>
+            </a:endParaRPr>
           </a:p>
         </p:txBody>
       </p:sp>
@@ -5649,162 +5789,91 @@
             </a:lvl1pPr>
           </a:lstStyle>
           <a:p>
-            <a:r>
-              <a:rPr lang="en-IN" sz="4000" dirty="0">
+            <a:pPr marL="0" marR="0" lvl="0" indent="0" algn="l" defTabSz="914400" rtl="0" eaLnBrk="1" fontAlgn="auto" latinLnBrk="0" hangingPunct="1">
+              <a:lnSpc>
+                <a:spcPct val="90000"/>
+              </a:lnSpc>
+              <a:spcBef>
+                <a:spcPct val="0"/>
+              </a:spcBef>
+              <a:spcAft>
+                <a:spcPts val="0"/>
+              </a:spcAft>
+              <a:buClrTx/>
+              <a:buSzTx/>
+              <a:buFontTx/>
+              <a:buNone/>
+              <a:tabLst/>
+              <a:defRPr/>
+            </a:pPr>
+            <a:r>
+              <a:rPr kumimoji="0" lang="en-IN" sz="4000" b="0" i="0" u="none" strike="noStrike" kern="1200" cap="none" spc="0" normalizeH="0" baseline="0" noProof="0" dirty="0">
+                <a:ln>
+                  <a:noFill/>
+                </a:ln>
                 <a:solidFill>
                   <a:srgbClr val="FFFFFF"/>
                 </a:solidFill>
+                <a:effectLst/>
+                <a:uLnTx/>
+                <a:uFillTx/>
+                <a:latin typeface="Calibri Light" panose="020F0302020204030204"/>
+                <a:ea typeface="+mj-ea"/>
+                <a:cs typeface="+mj-cs"/>
               </a:rPr>
-              <a:t>Demo</a:t>
-            </a:r>
-            <a:endParaRPr lang="en-US" dirty="0"/>
-          </a:p>
-        </p:txBody>
-      </p:sp>
-      <p:sp>
-        <p:nvSpPr>
-          <p:cNvPr id="2" name="TextBox 1">
-            <a:extLst>
-              <a:ext uri="{FF2B5EF4-FFF2-40B4-BE49-F238E27FC236}">
-                <a16:creationId xmlns:a16="http://schemas.microsoft.com/office/drawing/2014/main" id="{0CB64A6C-1302-48EF-F365-F1BD12C9B9F1}"/>
-              </a:ext>
-            </a:extLst>
-          </p:cNvPr>
-          <p:cNvSpPr txBox="1"/>
+              <a:t>Idea</a:t>
+            </a:r>
+            <a:endParaRPr kumimoji="0" lang="en-US" sz="4400" b="0" i="0" u="none" strike="noStrike" kern="1200" cap="none" spc="0" normalizeH="0" baseline="0" noProof="0" dirty="0">
+              <a:ln>
+                <a:noFill/>
+              </a:ln>
+              <a:solidFill>
+                <a:prstClr val="black"/>
+              </a:solidFill>
+              <a:effectLst/>
+              <a:uLnTx/>
+              <a:uFillTx/>
+              <a:latin typeface="Calibri Light" panose="020F0302020204030204"/>
+              <a:ea typeface="+mj-ea"/>
+              <a:cs typeface="+mj-cs"/>
+            </a:endParaRPr>
+          </a:p>
+        </p:txBody>
+      </p:sp>
+      <p:pic>
+        <p:nvPicPr>
+          <p:cNvPr id="6" name="Picture 5" descr="A close-up of a math problem&#10;&#10;Description automatically generated">
+            <a:extLst>
+              <a:ext uri="{FF2B5EF4-FFF2-40B4-BE49-F238E27FC236}">
+                <a16:creationId xmlns:a16="http://schemas.microsoft.com/office/drawing/2014/main" id="{60CBF424-EFD3-456D-AFF3-DD0D53A348E1}"/>
+              </a:ext>
+            </a:extLst>
+          </p:cNvPr>
+          <p:cNvPicPr>
+            <a:picLocks noChangeAspect="1"/>
+          </p:cNvPicPr>
           <p:nvPr/>
-        </p:nvSpPr>
+        </p:nvPicPr>
+        <p:blipFill>
+          <a:blip r:embed="rId2"/>
+          <a:stretch>
+            <a:fillRect/>
+          </a:stretch>
+        </p:blipFill>
         <p:spPr>
           <a:xfrm>
-            <a:off x="441434" y="1962740"/>
-            <a:ext cx="9625204" cy="4247317"/>
+            <a:off x="2619282" y="1723037"/>
+            <a:ext cx="7144632" cy="4987389"/>
           </a:xfrm>
           <a:prstGeom prst="rect">
             <a:avLst/>
           </a:prstGeom>
-          <a:noFill/>
         </p:spPr>
-        <p:txBody>
-          <a:bodyPr wrap="square" rtlCol="0">
-            <a:spAutoFit/>
-          </a:bodyPr>
-          <a:lstStyle/>
-          <a:p>
-            <a:r>
-              <a:rPr lang="en-US" b="1" dirty="0"/>
-              <a:t>Features considered in the proposed solution:</a:t>
-            </a:r>
-          </a:p>
-          <a:p>
-            <a:endParaRPr lang="en-US" b="1" dirty="0"/>
-          </a:p>
-          <a:p>
-            <a:pPr marL="285750" indent="-285750">
-              <a:buFontTx/>
-              <a:buChar char="-"/>
-            </a:pPr>
-            <a:r>
-              <a:rPr lang="en-US" dirty="0"/>
-              <a:t>Store Id ( This would be beneficial to identify the kitchen capacity)</a:t>
-            </a:r>
-          </a:p>
-          <a:p>
-            <a:pPr marL="285750" indent="-285750">
-              <a:buFontTx/>
-              <a:buChar char="-"/>
-            </a:pPr>
-            <a:r>
-              <a:rPr lang="en-US" dirty="0"/>
-              <a:t>Order day and time</a:t>
-            </a:r>
-          </a:p>
-          <a:p>
-            <a:pPr marL="285750" indent="-285750">
-              <a:buFontTx/>
-              <a:buChar char="-"/>
-            </a:pPr>
-            <a:r>
-              <a:rPr lang="en-US" dirty="0"/>
-              <a:t>Order size (in terms of amount)</a:t>
-            </a:r>
-          </a:p>
-          <a:p>
-            <a:pPr marL="285750" indent="-285750">
-              <a:buFontTx/>
-              <a:buChar char="-"/>
-            </a:pPr>
-            <a:r>
-              <a:rPr lang="en-US" dirty="0"/>
-              <a:t>Order size (in terms of # of items ordered)</a:t>
-            </a:r>
-          </a:p>
-          <a:p>
-            <a:pPr marL="285750" indent="-285750">
-              <a:buFontTx/>
-              <a:buChar char="-"/>
-            </a:pPr>
-            <a:r>
-              <a:rPr lang="en-US" dirty="0"/>
-              <a:t>Pending Orders count in kitchen (at time when current order is placed)</a:t>
-            </a:r>
-          </a:p>
-          <a:p>
-            <a:pPr marL="285750" indent="-285750">
-              <a:buFontTx/>
-              <a:buChar char="-"/>
-            </a:pPr>
-            <a:r>
-              <a:rPr lang="en-US" dirty="0"/>
-              <a:t>Pending Orders size (in terms of amount)</a:t>
-            </a:r>
-          </a:p>
-          <a:p>
-            <a:pPr marL="285750" indent="-285750">
-              <a:buFontTx/>
-              <a:buChar char="-"/>
-            </a:pPr>
-            <a:r>
-              <a:rPr lang="en-US" dirty="0"/>
-              <a:t>Pending Orders size (in terms of # of items ordered)</a:t>
-            </a:r>
-          </a:p>
-          <a:p>
-            <a:pPr marL="285750" indent="-285750">
-              <a:buFontTx/>
-              <a:buChar char="-"/>
-            </a:pPr>
-            <a:r>
-              <a:rPr lang="en-US" dirty="0"/>
-              <a:t>Order preparation time</a:t>
-            </a:r>
-          </a:p>
-          <a:p>
-            <a:pPr marL="285750" indent="-285750">
-              <a:buFontTx/>
-              <a:buChar char="-"/>
-            </a:pPr>
-            <a:endParaRPr lang="en-US" b="1" dirty="0"/>
-          </a:p>
-          <a:p>
-            <a:endParaRPr lang="en-US" dirty="0"/>
-          </a:p>
-          <a:p>
-            <a:r>
-              <a:rPr lang="en-US" b="1" dirty="0"/>
-              <a:t>Demo: to follow</a:t>
-            </a:r>
-          </a:p>
-          <a:p>
-            <a:endParaRPr lang="en-US" dirty="0"/>
-          </a:p>
-          <a:p>
-            <a:endParaRPr lang="en-US" dirty="0"/>
-          </a:p>
-        </p:txBody>
-      </p:sp>
+      </p:pic>
     </p:spTree>
     <p:extLst>
       <p:ext uri="{BB962C8B-B14F-4D97-AF65-F5344CB8AC3E}">
-        <p14:creationId xmlns:p14="http://schemas.microsoft.com/office/powerpoint/2010/main" val="3775572590"/>
+        <p14:creationId xmlns:p14="http://schemas.microsoft.com/office/powerpoint/2010/main" val="169135408"/>
       </p:ext>
     </p:extLst>
   </p:cSld>
@@ -6194,6 +6263,545 @@
                   <a:srgbClr val="FFFFFF"/>
                 </a:solidFill>
               </a:rPr>
+              <a:t>Demo</a:t>
+            </a:r>
+            <a:endParaRPr lang="en-US" dirty="0"/>
+          </a:p>
+        </p:txBody>
+      </p:sp>
+      <p:sp>
+        <p:nvSpPr>
+          <p:cNvPr id="2" name="TextBox 1">
+            <a:extLst>
+              <a:ext uri="{FF2B5EF4-FFF2-40B4-BE49-F238E27FC236}">
+                <a16:creationId xmlns:a16="http://schemas.microsoft.com/office/drawing/2014/main" id="{0CB64A6C-1302-48EF-F365-F1BD12C9B9F1}"/>
+              </a:ext>
+            </a:extLst>
+          </p:cNvPr>
+          <p:cNvSpPr txBox="1"/>
+          <p:nvPr/>
+        </p:nvSpPr>
+        <p:spPr>
+          <a:xfrm>
+            <a:off x="441434" y="1962740"/>
+            <a:ext cx="9625204" cy="4247317"/>
+          </a:xfrm>
+          <a:prstGeom prst="rect">
+            <a:avLst/>
+          </a:prstGeom>
+          <a:noFill/>
+        </p:spPr>
+        <p:txBody>
+          <a:bodyPr wrap="square" rtlCol="0">
+            <a:spAutoFit/>
+          </a:bodyPr>
+          <a:lstStyle/>
+          <a:p>
+            <a:r>
+              <a:rPr lang="en-US" b="1" dirty="0"/>
+              <a:t>Features considered in the proposed solution:</a:t>
+            </a:r>
+          </a:p>
+          <a:p>
+            <a:endParaRPr lang="en-US" b="1" dirty="0"/>
+          </a:p>
+          <a:p>
+            <a:pPr marL="285750" indent="-285750">
+              <a:buFontTx/>
+              <a:buChar char="-"/>
+            </a:pPr>
+            <a:r>
+              <a:rPr lang="en-US" dirty="0"/>
+              <a:t>Store Id ( This would be beneficial to identify the kitchen capacity)</a:t>
+            </a:r>
+          </a:p>
+          <a:p>
+            <a:pPr marL="285750" indent="-285750">
+              <a:buFontTx/>
+              <a:buChar char="-"/>
+            </a:pPr>
+            <a:r>
+              <a:rPr lang="en-US" dirty="0"/>
+              <a:t>Order day and time</a:t>
+            </a:r>
+          </a:p>
+          <a:p>
+            <a:pPr marL="285750" indent="-285750">
+              <a:buFontTx/>
+              <a:buChar char="-"/>
+            </a:pPr>
+            <a:r>
+              <a:rPr lang="en-US" dirty="0"/>
+              <a:t>Order size (in terms of amount)</a:t>
+            </a:r>
+          </a:p>
+          <a:p>
+            <a:pPr marL="285750" indent="-285750">
+              <a:buFontTx/>
+              <a:buChar char="-"/>
+            </a:pPr>
+            <a:r>
+              <a:rPr lang="en-US" dirty="0"/>
+              <a:t>Order size (in terms of # of items ordered)</a:t>
+            </a:r>
+          </a:p>
+          <a:p>
+            <a:pPr marL="285750" indent="-285750">
+              <a:buFontTx/>
+              <a:buChar char="-"/>
+            </a:pPr>
+            <a:r>
+              <a:rPr lang="en-US" dirty="0"/>
+              <a:t>Pending Orders count in kitchen (at time when current order is placed)</a:t>
+            </a:r>
+          </a:p>
+          <a:p>
+            <a:pPr marL="285750" indent="-285750">
+              <a:buFontTx/>
+              <a:buChar char="-"/>
+            </a:pPr>
+            <a:r>
+              <a:rPr lang="en-US" dirty="0"/>
+              <a:t>Pending Orders size (in terms of amount)</a:t>
+            </a:r>
+          </a:p>
+          <a:p>
+            <a:pPr marL="285750" indent="-285750">
+              <a:buFontTx/>
+              <a:buChar char="-"/>
+            </a:pPr>
+            <a:r>
+              <a:rPr lang="en-US" dirty="0"/>
+              <a:t>Pending Orders size (in terms of # of items ordered)</a:t>
+            </a:r>
+          </a:p>
+          <a:p>
+            <a:pPr marL="285750" indent="-285750">
+              <a:buFontTx/>
+              <a:buChar char="-"/>
+            </a:pPr>
+            <a:r>
+              <a:rPr lang="en-US" dirty="0"/>
+              <a:t>Order preparation time</a:t>
+            </a:r>
+          </a:p>
+          <a:p>
+            <a:pPr marL="285750" indent="-285750">
+              <a:buFontTx/>
+              <a:buChar char="-"/>
+            </a:pPr>
+            <a:endParaRPr lang="en-US" b="1" dirty="0"/>
+          </a:p>
+          <a:p>
+            <a:endParaRPr lang="en-US" dirty="0"/>
+          </a:p>
+          <a:p>
+            <a:r>
+              <a:rPr lang="en-US" b="1" dirty="0"/>
+              <a:t>Demo: to follow</a:t>
+            </a:r>
+          </a:p>
+          <a:p>
+            <a:endParaRPr lang="en-US" dirty="0"/>
+          </a:p>
+          <a:p>
+            <a:endParaRPr lang="en-US" dirty="0"/>
+          </a:p>
+        </p:txBody>
+      </p:sp>
+    </p:spTree>
+    <p:extLst>
+      <p:ext uri="{BB962C8B-B14F-4D97-AF65-F5344CB8AC3E}">
+        <p14:creationId xmlns:p14="http://schemas.microsoft.com/office/powerpoint/2010/main" val="3775572590"/>
+      </p:ext>
+    </p:extLst>
+  </p:cSld>
+  <p:clrMapOvr>
+    <a:masterClrMapping/>
+  </p:clrMapOvr>
+</p:sld>
+</file>
+
+<file path=ppt/slides/slide7.xml><?xml version="1.0" encoding="utf-8"?>
+<p:sld xmlns:a="http://schemas.openxmlformats.org/drawingml/2006/main" xmlns:r="http://schemas.openxmlformats.org/officeDocument/2006/relationships" xmlns:p="http://schemas.openxmlformats.org/presentationml/2006/main">
+  <p:cSld>
+    <p:bg>
+      <p:bgPr>
+        <a:solidFill>
+          <a:schemeClr val="bg1"/>
+        </a:solidFill>
+        <a:effectLst/>
+      </p:bgPr>
+    </p:bg>
+    <p:spTree>
+      <p:nvGrpSpPr>
+        <p:cNvPr id="1" name=""/>
+        <p:cNvGrpSpPr/>
+        <p:nvPr/>
+      </p:nvGrpSpPr>
+      <p:grpSpPr>
+        <a:xfrm>
+          <a:off x="0" y="0"/>
+          <a:ext cx="0" cy="0"/>
+          <a:chOff x="0" y="0"/>
+          <a:chExt cx="0" cy="0"/>
+        </a:xfrm>
+      </p:grpSpPr>
+      <p:sp useBgFill="1">
+        <p:nvSpPr>
+          <p:cNvPr id="22" name="Rectangle 21">
+            <a:extLst>
+              <a:ext uri="{FF2B5EF4-FFF2-40B4-BE49-F238E27FC236}">
+                <a16:creationId xmlns:a16="http://schemas.microsoft.com/office/drawing/2014/main" id="{BACC6370-2D7E-4714-9D71-7542949D7D5D}"/>
+              </a:ext>
+              <a:ext uri="{C183D7F6-B498-43B3-948B-1728B52AA6E4}">
+                <adec:decorative xmlns:adec="http://schemas.microsoft.com/office/drawing/2017/decorative" val="1"/>
+              </a:ext>
+            </a:extLst>
+          </p:cNvPr>
+          <p:cNvSpPr>
+            <a:spLocks noGrp="1" noRot="1" noChangeAspect="1" noMove="1" noResize="1" noEditPoints="1" noAdjustHandles="1" noChangeArrowheads="1" noChangeShapeType="1" noTextEdit="1"/>
+          </p:cNvSpPr>
+          <p:nvPr>
+            <p:extLst>
+              <p:ext uri="{386F3935-93C4-4BCD-93E2-E3B085C9AB24}">
+                <p16:designElem xmlns:p16="http://schemas.microsoft.com/office/powerpoint/2015/main" val="1"/>
+              </p:ext>
+            </p:extLst>
+          </p:nvPr>
+        </p:nvSpPr>
+        <p:spPr>
+          <a:xfrm>
+            <a:off x="0" y="0"/>
+            <a:ext cx="12192000" cy="6858000"/>
+          </a:xfrm>
+          <a:prstGeom prst="rect">
+            <a:avLst/>
+          </a:prstGeom>
+          <a:ln w="12700" cap="flat" cmpd="sng" algn="ctr">
+            <a:noFill/>
+            <a:prstDash val="solid"/>
+            <a:miter lim="800000"/>
+          </a:ln>
+          <a:effectLst/>
+          <a:extLst>
+            <a:ext uri="{91240B29-F687-4F45-9708-019B960494DF}">
+              <a14:hiddenLine xmlns:a14="http://schemas.microsoft.com/office/drawing/2010/main" w="12700" cap="flat" cmpd="sng" algn="ctr">
+                <a:solidFill>
+                  <a:schemeClr val="accent1">
+                    <a:shade val="50000"/>
+                  </a:schemeClr>
+                </a:solidFill>
+                <a:prstDash val="solid"/>
+                <a:miter lim="800000"/>
+              </a14:hiddenLine>
+            </a:ext>
+          </a:extLst>
+        </p:spPr>
+        <p:style>
+          <a:lnRef idx="2">
+            <a:schemeClr val="accent1">
+              <a:shade val="50000"/>
+            </a:schemeClr>
+          </a:lnRef>
+          <a:fillRef idx="1">
+            <a:schemeClr val="accent1"/>
+          </a:fillRef>
+          <a:effectRef idx="0">
+            <a:schemeClr val="accent1"/>
+          </a:effectRef>
+          <a:fontRef idx="minor">
+            <a:schemeClr val="lt1"/>
+          </a:fontRef>
+        </p:style>
+        <p:txBody>
+          <a:bodyPr rtlCol="0" anchor="ctr"/>
+          <a:lstStyle/>
+          <a:p>
+            <a:pPr algn="ctr"/>
+            <a:endParaRPr lang="en-US" dirty="0"/>
+          </a:p>
+        </p:txBody>
+      </p:sp>
+      <p:sp>
+        <p:nvSpPr>
+          <p:cNvPr id="24" name="Rectangle 23">
+            <a:extLst>
+              <a:ext uri="{FF2B5EF4-FFF2-40B4-BE49-F238E27FC236}">
+                <a16:creationId xmlns:a16="http://schemas.microsoft.com/office/drawing/2014/main" id="{F68B3F68-107C-434F-AA38-110D5EA91B85}"/>
+              </a:ext>
+              <a:ext uri="{C183D7F6-B498-43B3-948B-1728B52AA6E4}">
+                <adec:decorative xmlns:adec="http://schemas.microsoft.com/office/drawing/2017/decorative" val="1"/>
+              </a:ext>
+            </a:extLst>
+          </p:cNvPr>
+          <p:cNvSpPr>
+            <a:spLocks noGrp="1" noRot="1" noChangeAspect="1" noMove="1" noResize="1" noEditPoints="1" noAdjustHandles="1" noChangeArrowheads="1" noChangeShapeType="1" noTextEdit="1"/>
+          </p:cNvSpPr>
+          <p:nvPr>
+            <p:extLst>
+              <p:ext uri="{386F3935-93C4-4BCD-93E2-E3B085C9AB24}">
+                <p16:designElem xmlns:p16="http://schemas.microsoft.com/office/powerpoint/2015/main" val="1"/>
+              </p:ext>
+            </p:extLst>
+          </p:nvPr>
+        </p:nvSpPr>
+        <p:spPr>
+          <a:xfrm flipH="1">
+            <a:off x="2" y="0"/>
+            <a:ext cx="12191998" cy="1575955"/>
+          </a:xfrm>
+          <a:prstGeom prst="rect">
+            <a:avLst/>
+          </a:prstGeom>
+          <a:gradFill>
+            <a:gsLst>
+              <a:gs pos="0">
+                <a:srgbClr val="000000">
+                  <a:alpha val="96000"/>
+                </a:srgbClr>
+              </a:gs>
+              <a:gs pos="100000">
+                <a:schemeClr val="accent1">
+                  <a:lumMod val="75000"/>
+                </a:schemeClr>
+              </a:gs>
+            </a:gsLst>
+            <a:lin ang="8400000" scaled="0"/>
+          </a:gradFill>
+          <a:ln>
+            <a:noFill/>
+          </a:ln>
+        </p:spPr>
+        <p:style>
+          <a:lnRef idx="2">
+            <a:schemeClr val="accent1">
+              <a:shade val="50000"/>
+            </a:schemeClr>
+          </a:lnRef>
+          <a:fillRef idx="1">
+            <a:schemeClr val="accent1"/>
+          </a:fillRef>
+          <a:effectRef idx="0">
+            <a:schemeClr val="accent1"/>
+          </a:effectRef>
+          <a:fontRef idx="minor">
+            <a:schemeClr val="lt1"/>
+          </a:fontRef>
+        </p:style>
+        <p:txBody>
+          <a:bodyPr rtlCol="0" anchor="ctr"/>
+          <a:lstStyle/>
+          <a:p>
+            <a:pPr algn="ctr"/>
+            <a:endParaRPr lang="en-US" dirty="0"/>
+          </a:p>
+        </p:txBody>
+      </p:sp>
+      <p:sp>
+        <p:nvSpPr>
+          <p:cNvPr id="26" name="Rectangle 25">
+            <a:extLst>
+              <a:ext uri="{FF2B5EF4-FFF2-40B4-BE49-F238E27FC236}">
+                <a16:creationId xmlns:a16="http://schemas.microsoft.com/office/drawing/2014/main" id="{AAD0DBB9-1A4B-4391-81D4-CB19F9AB918A}"/>
+              </a:ext>
+              <a:ext uri="{C183D7F6-B498-43B3-948B-1728B52AA6E4}">
+                <adec:decorative xmlns:adec="http://schemas.microsoft.com/office/drawing/2017/decorative" val="1"/>
+              </a:ext>
+            </a:extLst>
+          </p:cNvPr>
+          <p:cNvSpPr>
+            <a:spLocks noGrp="1" noRot="1" noChangeAspect="1" noMove="1" noResize="1" noEditPoints="1" noAdjustHandles="1" noChangeArrowheads="1" noChangeShapeType="1" noTextEdit="1"/>
+          </p:cNvSpPr>
+          <p:nvPr>
+            <p:extLst>
+              <p:ext uri="{386F3935-93C4-4BCD-93E2-E3B085C9AB24}">
+                <p16:designElem xmlns:p16="http://schemas.microsoft.com/office/powerpoint/2015/main" val="1"/>
+              </p:ext>
+            </p:extLst>
+          </p:nvPr>
+        </p:nvSpPr>
+        <p:spPr>
+          <a:xfrm rot="10800000" flipH="1">
+            <a:off x="8128857" y="0"/>
+            <a:ext cx="4063143" cy="1576412"/>
+          </a:xfrm>
+          <a:prstGeom prst="rect">
+            <a:avLst/>
+          </a:prstGeom>
+          <a:gradFill>
+            <a:gsLst>
+              <a:gs pos="19000">
+                <a:schemeClr val="accent1">
+                  <a:lumMod val="50000"/>
+                  <a:alpha val="68000"/>
+                </a:schemeClr>
+              </a:gs>
+              <a:gs pos="100000">
+                <a:schemeClr val="accent1">
+                  <a:alpha val="79000"/>
+                </a:schemeClr>
+              </a:gs>
+            </a:gsLst>
+            <a:lin ang="19200000" scaled="0"/>
+          </a:gradFill>
+          <a:ln>
+            <a:noFill/>
+          </a:ln>
+        </p:spPr>
+        <p:style>
+          <a:lnRef idx="2">
+            <a:schemeClr val="accent1">
+              <a:shade val="50000"/>
+            </a:schemeClr>
+          </a:lnRef>
+          <a:fillRef idx="1">
+            <a:schemeClr val="accent1"/>
+          </a:fillRef>
+          <a:effectRef idx="0">
+            <a:schemeClr val="accent1"/>
+          </a:effectRef>
+          <a:fontRef idx="minor">
+            <a:schemeClr val="lt1"/>
+          </a:fontRef>
+        </p:style>
+        <p:txBody>
+          <a:bodyPr rtlCol="0" anchor="ctr"/>
+          <a:lstStyle/>
+          <a:p>
+            <a:pPr algn="ctr"/>
+            <a:endParaRPr lang="en-US" dirty="0"/>
+          </a:p>
+        </p:txBody>
+      </p:sp>
+      <p:sp>
+        <p:nvSpPr>
+          <p:cNvPr id="28" name="Rectangle 27">
+            <a:extLst>
+              <a:ext uri="{FF2B5EF4-FFF2-40B4-BE49-F238E27FC236}">
+                <a16:creationId xmlns:a16="http://schemas.microsoft.com/office/drawing/2014/main" id="{063BBA22-50EA-4C4D-BE05-F1CE4E63AA56}"/>
+              </a:ext>
+              <a:ext uri="{C183D7F6-B498-43B3-948B-1728B52AA6E4}">
+                <adec:decorative xmlns:adec="http://schemas.microsoft.com/office/drawing/2017/decorative" val="1"/>
+              </a:ext>
+            </a:extLst>
+          </p:cNvPr>
+          <p:cNvSpPr>
+            <a:spLocks noGrp="1" noRot="1" noChangeAspect="1" noMove="1" noResize="1" noEditPoints="1" noAdjustHandles="1" noChangeArrowheads="1" noChangeShapeType="1" noTextEdit="1"/>
+          </p:cNvSpPr>
+          <p:nvPr>
+            <p:extLst>
+              <p:ext uri="{386F3935-93C4-4BCD-93E2-E3B085C9AB24}">
+                <p16:designElem xmlns:p16="http://schemas.microsoft.com/office/powerpoint/2015/main" val="1"/>
+              </p:ext>
+            </p:extLst>
+          </p:nvPr>
+        </p:nvSpPr>
+        <p:spPr>
+          <a:xfrm rot="5400000">
+            <a:off x="5307777" y="-5307778"/>
+            <a:ext cx="1576446" cy="12192002"/>
+          </a:xfrm>
+          <a:prstGeom prst="rect">
+            <a:avLst/>
+          </a:prstGeom>
+          <a:gradFill>
+            <a:gsLst>
+              <a:gs pos="23000">
+                <a:schemeClr val="accent1">
+                  <a:alpha val="0"/>
+                </a:schemeClr>
+              </a:gs>
+              <a:gs pos="99000">
+                <a:srgbClr val="000000">
+                  <a:alpha val="74000"/>
+                </a:srgbClr>
+              </a:gs>
+            </a:gsLst>
+            <a:lin ang="20400000" scaled="0"/>
+          </a:gradFill>
+          <a:ln>
+            <a:noFill/>
+          </a:ln>
+        </p:spPr>
+        <p:style>
+          <a:lnRef idx="2">
+            <a:schemeClr val="accent1">
+              <a:shade val="50000"/>
+            </a:schemeClr>
+          </a:lnRef>
+          <a:fillRef idx="1">
+            <a:schemeClr val="accent1"/>
+          </a:fillRef>
+          <a:effectRef idx="0">
+            <a:schemeClr val="accent1"/>
+          </a:effectRef>
+          <a:fontRef idx="minor">
+            <a:schemeClr val="lt1"/>
+          </a:fontRef>
+        </p:style>
+        <p:txBody>
+          <a:bodyPr rtlCol="0" anchor="ctr"/>
+          <a:lstStyle/>
+          <a:p>
+            <a:pPr algn="ctr"/>
+            <a:endParaRPr lang="en-US" dirty="0"/>
+          </a:p>
+        </p:txBody>
+      </p:sp>
+      <p:sp>
+        <p:nvSpPr>
+          <p:cNvPr id="5" name="Title 1">
+            <a:extLst>
+              <a:ext uri="{FF2B5EF4-FFF2-40B4-BE49-F238E27FC236}">
+                <a16:creationId xmlns:a16="http://schemas.microsoft.com/office/drawing/2014/main" id="{44C13E76-35AB-7E89-9B0E-946520EC8AD3}"/>
+              </a:ext>
+            </a:extLst>
+          </p:cNvPr>
+          <p:cNvSpPr txBox="1">
+            <a:spLocks/>
+          </p:cNvSpPr>
+          <p:nvPr/>
+        </p:nvSpPr>
+        <p:spPr>
+          <a:xfrm>
+            <a:off x="530772" y="271142"/>
+            <a:ext cx="9895951" cy="1033669"/>
+          </a:xfrm>
+          <a:prstGeom prst="rect">
+            <a:avLst/>
+          </a:prstGeom>
+        </p:spPr>
+        <p:txBody>
+          <a:bodyPr vert="horz" lIns="91440" tIns="45720" rIns="91440" bIns="45720" rtlCol="0" anchor="ctr">
+            <a:noAutofit/>
+          </a:bodyPr>
+          <a:lstStyle>
+            <a:lvl1pPr algn="l" defTabSz="914400" rtl="0" eaLnBrk="1" latinLnBrk="0" hangingPunct="1">
+              <a:lnSpc>
+                <a:spcPct val="90000"/>
+              </a:lnSpc>
+              <a:spcBef>
+                <a:spcPct val="0"/>
+              </a:spcBef>
+              <a:buNone/>
+              <a:defRPr sz="4400" kern="1200">
+                <a:solidFill>
+                  <a:schemeClr val="tx1"/>
+                </a:solidFill>
+                <a:latin typeface="+mj-lt"/>
+                <a:ea typeface="+mj-ea"/>
+                <a:cs typeface="+mj-cs"/>
+              </a:defRPr>
+            </a:lvl1pPr>
+          </a:lstStyle>
+          <a:p>
+            <a:r>
+              <a:rPr lang="en-IN" sz="4000" dirty="0">
+                <a:solidFill>
+                  <a:srgbClr val="FFFFFF"/>
+                </a:solidFill>
+              </a:rPr>
               <a:t>Next Steps</a:t>
             </a:r>
             <a:endParaRPr lang="en-US" dirty="0"/>
@@ -6270,7 +6878,7 @@
 </p:sld>
 </file>
 
-<file path=ppt/slides/slide7.xml><?xml version="1.0" encoding="utf-8"?>
+<file path=ppt/slides/slide8.xml><?xml version="1.0" encoding="utf-8"?>
 <p:sld xmlns:a="http://schemas.openxmlformats.org/drawingml/2006/main" xmlns:r="http://schemas.openxmlformats.org/officeDocument/2006/relationships" xmlns:p="http://schemas.openxmlformats.org/presentationml/2006/main">
   <p:cSld>
     <p:bg>
@@ -7025,17 +7633,6 @@
 </file>
 
 <file path=customXml/item2.xml><?xml version="1.0" encoding="utf-8"?>
-<p:properties xmlns:p="http://schemas.microsoft.com/office/2006/metadata/properties" xmlns:xsi="http://www.w3.org/2001/XMLSchema-instance" xmlns:pc="http://schemas.microsoft.com/office/infopath/2007/PartnerControls">
-  <documentManagement>
-    <lcf76f155ced4ddcb4097134ff3c332f xmlns="eb237ec5-7b34-4048-9631-715884ccc04f">
-      <Terms xmlns="http://schemas.microsoft.com/office/infopath/2007/PartnerControls"/>
-    </lcf76f155ced4ddcb4097134ff3c332f>
-    <TaxCatchAll xmlns="737f1623-2dc2-4008-9151-7e09bcfb07a9" xsi:nil="true"/>
-  </documentManagement>
-</p:properties>
-</file>
-
-<file path=customXml/item3.xml><?xml version="1.0" encoding="utf-8"?>
 <ct:contentTypeSchema xmlns:ct="http://schemas.microsoft.com/office/2006/metadata/contentType" xmlns:ma="http://schemas.microsoft.com/office/2006/metadata/properties/metaAttributes" ct:_="" ma:_="" ma:contentTypeName="Document" ma:contentTypeID="0x0101008D6594B60447D24CA80180419EB33F39" ma:contentTypeVersion="13" ma:contentTypeDescription="Create a new document." ma:contentTypeScope="" ma:versionID="0dfdc30609cdd3bf75bbe793b253178e">
   <xsd:schema xmlns:xsd="http://www.w3.org/2001/XMLSchema" xmlns:xs="http://www.w3.org/2001/XMLSchema" xmlns:p="http://schemas.microsoft.com/office/2006/metadata/properties" xmlns:ns2="eb237ec5-7b34-4048-9631-715884ccc04f" xmlns:ns3="737f1623-2dc2-4008-9151-7e09bcfb07a9" targetNamespace="http://schemas.microsoft.com/office/2006/metadata/properties" ma:root="true" ma:fieldsID="52721e33bcc3122fa820ee3892832ea0" ns2:_="" ns3:_="">
     <xsd:import namespace="eb237ec5-7b34-4048-9631-715884ccc04f"/>
@@ -7258,6 +7855,17 @@
 </ct:contentTypeSchema>
 </file>
 
+<file path=customXml/item3.xml><?xml version="1.0" encoding="utf-8"?>
+<p:properties xmlns:p="http://schemas.microsoft.com/office/2006/metadata/properties" xmlns:xsi="http://www.w3.org/2001/XMLSchema-instance" xmlns:pc="http://schemas.microsoft.com/office/infopath/2007/PartnerControls">
+  <documentManagement>
+    <lcf76f155ced4ddcb4097134ff3c332f xmlns="eb237ec5-7b34-4048-9631-715884ccc04f">
+      <Terms xmlns="http://schemas.microsoft.com/office/infopath/2007/PartnerControls"/>
+    </lcf76f155ced4ddcb4097134ff3c332f>
+    <TaxCatchAll xmlns="737f1623-2dc2-4008-9151-7e09bcfb07a9" xsi:nil="true"/>
+  </documentManagement>
+</p:properties>
+</file>
+
 <file path=customXml/itemProps1.xml><?xml version="1.0" encoding="utf-8"?>
 <ds:datastoreItem xmlns:ds="http://schemas.openxmlformats.org/officeDocument/2006/customXml" ds:itemID="{E575B523-595B-4B0A-9268-A0184A515C33}">
   <ds:schemaRefs>
@@ -7267,17 +7875,6 @@
 </file>
 
 <file path=customXml/itemProps2.xml><?xml version="1.0" encoding="utf-8"?>
-<ds:datastoreItem xmlns:ds="http://schemas.openxmlformats.org/officeDocument/2006/customXml" ds:itemID="{8995B25A-A1F2-4DDA-B298-9E913786E416}">
-  <ds:schemaRefs>
-    <ds:schemaRef ds:uri="737f1623-2dc2-4008-9151-7e09bcfb07a9"/>
-    <ds:schemaRef ds:uri="eb237ec5-7b34-4048-9631-715884ccc04f"/>
-    <ds:schemaRef ds:uri="http://schemas.microsoft.com/office/2006/metadata/properties"/>
-    <ds:schemaRef ds:uri="http://schemas.microsoft.com/office/infopath/2007/PartnerControls"/>
-  </ds:schemaRefs>
-</ds:datastoreItem>
-</file>
-
-<file path=customXml/itemProps3.xml><?xml version="1.0" encoding="utf-8"?>
 <ds:datastoreItem xmlns:ds="http://schemas.openxmlformats.org/officeDocument/2006/customXml" ds:itemID="{10D7422A-5025-4E75-8C67-30771A318A97}">
   <ds:schemaRefs>
     <ds:schemaRef ds:uri="737f1623-2dc2-4008-9151-7e09bcfb07a9"/>
@@ -7294,4 +7891,15 @@
     <ds:schemaRef ds:uri="http://www.w3.org/2001/XMLSchema"/>
   </ds:schemaRefs>
 </ds:datastoreItem>
+</file>
+
+<file path=customXml/itemProps3.xml><?xml version="1.0" encoding="utf-8"?>
+<ds:datastoreItem xmlns:ds="http://schemas.openxmlformats.org/officeDocument/2006/customXml" ds:itemID="{8995B25A-A1F2-4DDA-B298-9E913786E416}">
+  <ds:schemaRefs>
+    <ds:schemaRef ds:uri="737f1623-2dc2-4008-9151-7e09bcfb07a9"/>
+    <ds:schemaRef ds:uri="eb237ec5-7b34-4048-9631-715884ccc04f"/>
+    <ds:schemaRef ds:uri="http://schemas.microsoft.com/office/2006/metadata/properties"/>
+    <ds:schemaRef ds:uri="http://schemas.microsoft.com/office/infopath/2007/PartnerControls"/>
+  </ds:schemaRefs>
+</ds:datastoreItem>
 </file>